--- a/fig.pptx
+++ b/fig.pptx
@@ -3674,7 +3674,7 @@
         <p:spPr>
           <a:xfrm>
             <a:off x="2664010" y="3410990"/>
-            <a:ext cx="2949582" cy="1080000"/>
+            <a:ext cx="2944800" cy="1078250"/>
           </a:xfrm>
           <a:prstGeom prst="rect">
             <a:avLst/>

--- a/fig.pptx
+++ b/fig.pptx
@@ -6,6 +6,8 @@
   </p:sldMasterIdLst>
   <p:sldIdLst>
     <p:sldId id="256" r:id="rId2"/>
+    <p:sldId id="257" r:id="rId3"/>
+    <p:sldId id="258" r:id="rId4"/>
   </p:sldIdLst>
   <p:sldSz cx="12192000" cy="6858000"/>
   <p:notesSz cx="6858000" cy="9144000"/>
@@ -104,6 +106,11 @@
       </a:defRPr>
     </a:lvl9pPr>
   </p:defaultTextStyle>
+  <p:extLst>
+    <p:ext uri="{EFAFB233-063F-42B5-8137-9DF3F51BA10A}">
+      <p15:sldGuideLst xmlns:p15="http://schemas.microsoft.com/office/powerpoint/2012/main"/>
+    </p:ext>
+  </p:extLst>
 </p:presentation>
 </file>
 
@@ -3924,6 +3931,863 @@
 </p:sld>
 </file>
 
+<file path=ppt/slides/slide2.xml><?xml version="1.0" encoding="utf-8"?>
+<p:sld xmlns:a="http://schemas.openxmlformats.org/drawingml/2006/main" xmlns:r="http://schemas.openxmlformats.org/officeDocument/2006/relationships" xmlns:p="http://schemas.openxmlformats.org/presentationml/2006/main">
+  <p:cSld>
+    <p:spTree>
+      <p:nvGrpSpPr>
+        <p:cNvPr id="1" name=""/>
+        <p:cNvGrpSpPr/>
+        <p:nvPr/>
+      </p:nvGrpSpPr>
+      <p:grpSpPr>
+        <a:xfrm>
+          <a:off x="0" y="0"/>
+          <a:ext cx="0" cy="0"/>
+          <a:chOff x="0" y="0"/>
+          <a:chExt cx="0" cy="0"/>
+        </a:xfrm>
+      </p:grpSpPr>
+      <p:pic>
+        <p:nvPicPr>
+          <p:cNvPr id="3" name="図 2" descr="屋内, テーブル, 座る, セット が含まれている画像&#10;&#10;自動的に生成された説明">
+            <a:extLst>
+              <a:ext uri="{FF2B5EF4-FFF2-40B4-BE49-F238E27FC236}">
+                <a16:creationId xmlns:a16="http://schemas.microsoft.com/office/drawing/2014/main" id="{C55709BD-BA10-6AA6-C489-49A1A904159D}"/>
+              </a:ext>
+            </a:extLst>
+          </p:cNvPr>
+          <p:cNvPicPr>
+            <a:picLocks noChangeAspect="1"/>
+          </p:cNvPicPr>
+          <p:nvPr/>
+        </p:nvPicPr>
+        <p:blipFill rotWithShape="1">
+          <a:blip r:embed="rId2">
+            <a:extLst>
+              <a:ext uri="{28A0092B-C50C-407E-A947-70E740481C1C}">
+                <a14:useLocalDpi xmlns:a14="http://schemas.microsoft.com/office/drawing/2010/main" val="0"/>
+              </a:ext>
+            </a:extLst>
+          </a:blip>
+          <a:srcRect l="21110" t="2336" r="22477"/>
+          <a:stretch/>
+        </p:blipFill>
+        <p:spPr>
+          <a:xfrm>
+            <a:off x="3666836" y="1154545"/>
+            <a:ext cx="3827467" cy="3722390"/>
+          </a:xfrm>
+          <a:prstGeom prst="rect">
+            <a:avLst/>
+          </a:prstGeom>
+        </p:spPr>
+      </p:pic>
+      <p:cxnSp>
+        <p:nvCxnSpPr>
+          <p:cNvPr id="5" name="直線矢印コネクタ 4">
+            <a:extLst>
+              <a:ext uri="{FF2B5EF4-FFF2-40B4-BE49-F238E27FC236}">
+                <a16:creationId xmlns:a16="http://schemas.microsoft.com/office/drawing/2014/main" id="{A0AC7938-E77F-13F5-F7A4-8267DD91962D}"/>
+              </a:ext>
+            </a:extLst>
+          </p:cNvPr>
+          <p:cNvCxnSpPr>
+            <a:cxnSpLocks/>
+          </p:cNvCxnSpPr>
+          <p:nvPr/>
+        </p:nvCxnSpPr>
+        <p:spPr>
+          <a:xfrm flipH="1">
+            <a:off x="7319763" y="2050473"/>
+            <a:ext cx="242807" cy="230397"/>
+          </a:xfrm>
+          <a:prstGeom prst="straightConnector1">
+            <a:avLst/>
+          </a:prstGeom>
+          <a:ln w="38100">
+            <a:solidFill>
+              <a:srgbClr val="FF0000"/>
+            </a:solidFill>
+            <a:tailEnd type="triangle"/>
+          </a:ln>
+        </p:spPr>
+        <p:style>
+          <a:lnRef idx="2">
+            <a:schemeClr val="accent1"/>
+          </a:lnRef>
+          <a:fillRef idx="0">
+            <a:schemeClr val="accent1"/>
+          </a:fillRef>
+          <a:effectRef idx="1">
+            <a:schemeClr val="accent1"/>
+          </a:effectRef>
+          <a:fontRef idx="minor">
+            <a:schemeClr val="tx1"/>
+          </a:fontRef>
+        </p:style>
+      </p:cxnSp>
+      <mc:AlternateContent xmlns:mc="http://schemas.openxmlformats.org/markup-compatibility/2006">
+        <mc:Choice xmlns:a14="http://schemas.microsoft.com/office/drawing/2010/main" Requires="a14">
+          <p:sp>
+            <p:nvSpPr>
+              <p:cNvPr id="9" name="テキスト ボックス 8">
+                <a:extLst>
+                  <a:ext uri="{FF2B5EF4-FFF2-40B4-BE49-F238E27FC236}">
+                    <a16:creationId xmlns:a16="http://schemas.microsoft.com/office/drawing/2014/main" id="{8C1B38B8-80FC-F9F3-6F89-F0F360690EB0}"/>
+                  </a:ext>
+                </a:extLst>
+              </p:cNvPr>
+              <p:cNvSpPr txBox="1"/>
+              <p:nvPr/>
+            </p:nvSpPr>
+            <p:spPr>
+              <a:xfrm>
+                <a:off x="7494303" y="1875432"/>
+                <a:ext cx="2276764" cy="923330"/>
+              </a:xfrm>
+              <a:prstGeom prst="rect">
+                <a:avLst/>
+              </a:prstGeom>
+              <a:noFill/>
+            </p:spPr>
+            <p:txBody>
+              <a:bodyPr wrap="square" rtlCol="0">
+                <a:spAutoFit/>
+              </a:bodyPr>
+              <a:lstStyle/>
+              <a:p>
+                <a:r>
+                  <a:rPr kumimoji="1" lang="en-US" altLang="ja-JP" b="1" dirty="0"/>
+                  <a:t>Hand Controllers</a:t>
+                </a:r>
+              </a:p>
+              <a:p>
+                <a:r>
+                  <a:rPr lang="en-US" altLang="ja-JP" dirty="0"/>
+                  <a:t>(Meta Quest2 </a:t>
+                </a:r>
+                <a14:m>
+                  <m:oMath xmlns:m="http://schemas.openxmlformats.org/officeDocument/2006/math">
+                    <m:r>
+                      <a:rPr lang="en-US" altLang="ja-JP" b="0" i="1" smtClean="0">
+                        <a:latin typeface="Cambria Math" panose="02040503050406030204" pitchFamily="18" charset="0"/>
+                      </a:rPr>
+                      <m:t>×2</m:t>
+                    </m:r>
+                  </m:oMath>
+                </a14:m>
+                <a:r>
+                  <a:rPr lang="en-US" altLang="ja-JP" dirty="0"/>
+                  <a:t>) with vibro-units</a:t>
+                </a:r>
+                <a:endParaRPr kumimoji="1" lang="ja-JP" altLang="en-US" dirty="0"/>
+              </a:p>
+            </p:txBody>
+          </p:sp>
+        </mc:Choice>
+        <mc:Fallback>
+          <p:sp>
+            <p:nvSpPr>
+              <p:cNvPr id="9" name="テキスト ボックス 8">
+                <a:extLst>
+                  <a:ext uri="{FF2B5EF4-FFF2-40B4-BE49-F238E27FC236}">
+                    <a16:creationId xmlns:a16="http://schemas.microsoft.com/office/drawing/2014/main" id="{8C1B38B8-80FC-F9F3-6F89-F0F360690EB0}"/>
+                  </a:ext>
+                </a:extLst>
+              </p:cNvPr>
+              <p:cNvSpPr txBox="1">
+                <a:spLocks noRot="1" noChangeAspect="1" noMove="1" noResize="1" noEditPoints="1" noAdjustHandles="1" noChangeArrowheads="1" noChangeShapeType="1" noTextEdit="1"/>
+              </p:cNvSpPr>
+              <p:nvPr/>
+            </p:nvSpPr>
+            <p:spPr>
+              <a:xfrm>
+                <a:off x="7494303" y="1875432"/>
+                <a:ext cx="2276764" cy="923330"/>
+              </a:xfrm>
+              <a:prstGeom prst="rect">
+                <a:avLst/>
+              </a:prstGeom>
+              <a:blipFill>
+                <a:blip r:embed="rId3"/>
+                <a:stretch>
+                  <a:fillRect l="-2139" t="-3311" r="-2941" b="-10596"/>
+                </a:stretch>
+              </a:blipFill>
+            </p:spPr>
+            <p:txBody>
+              <a:bodyPr/>
+              <a:lstStyle/>
+              <a:p>
+                <a:r>
+                  <a:rPr lang="ja-JP" altLang="en-US">
+                    <a:noFill/>
+                  </a:rPr>
+                  <a:t> </a:t>
+                </a:r>
+              </a:p>
+            </p:txBody>
+          </p:sp>
+        </mc:Fallback>
+      </mc:AlternateContent>
+      <mc:AlternateContent xmlns:mc="http://schemas.openxmlformats.org/markup-compatibility/2006">
+        <mc:Choice xmlns:a14="http://schemas.microsoft.com/office/drawing/2010/main" Requires="a14">
+          <p:sp>
+            <p:nvSpPr>
+              <p:cNvPr id="10" name="テキスト ボックス 9">
+                <a:extLst>
+                  <a:ext uri="{FF2B5EF4-FFF2-40B4-BE49-F238E27FC236}">
+                    <a16:creationId xmlns:a16="http://schemas.microsoft.com/office/drawing/2014/main" id="{41CDE66C-D43B-3C9B-3A01-860C2C9A7F71}"/>
+                  </a:ext>
+                </a:extLst>
+              </p:cNvPr>
+              <p:cNvSpPr txBox="1"/>
+              <p:nvPr/>
+            </p:nvSpPr>
+            <p:spPr>
+              <a:xfrm>
+                <a:off x="1861126" y="2428703"/>
+                <a:ext cx="2207491" cy="923330"/>
+              </a:xfrm>
+              <a:prstGeom prst="rect">
+                <a:avLst/>
+              </a:prstGeom>
+              <a:noFill/>
+            </p:spPr>
+            <p:txBody>
+              <a:bodyPr wrap="square" rtlCol="0">
+                <a:spAutoFit/>
+              </a:bodyPr>
+              <a:lstStyle/>
+              <a:p>
+                <a:r>
+                  <a:rPr lang="en-US" altLang="ja-JP" b="1" dirty="0"/>
+                  <a:t>Poles</a:t>
+                </a:r>
+              </a:p>
+              <a:p>
+                <a:r>
+                  <a:rPr kumimoji="1" lang="en-US" altLang="ja-JP" dirty="0"/>
+                  <a:t>(3-dof </a:t>
+                </a:r>
+                <a14:m>
+                  <m:oMath xmlns:m="http://schemas.openxmlformats.org/officeDocument/2006/math">
+                    <m:r>
+                      <a:rPr kumimoji="1" lang="en-US" altLang="ja-JP" b="0" i="1" smtClean="0">
+                        <a:latin typeface="Cambria Math" panose="02040503050406030204" pitchFamily="18" charset="0"/>
+                      </a:rPr>
+                      <m:t>×2</m:t>
+                    </m:r>
+                  </m:oMath>
+                </a14:m>
+                <a:r>
+                  <a:rPr kumimoji="1" lang="en-US" altLang="ja-JP" dirty="0"/>
+                  <a:t>)</a:t>
+                </a:r>
+              </a:p>
+              <a:p>
+                <a:r>
+                  <a:rPr lang="en-US" altLang="ja-JP" dirty="0"/>
+                  <a:t>with vibro-units</a:t>
+                </a:r>
+                <a:endParaRPr kumimoji="1" lang="ja-JP" altLang="en-US" dirty="0"/>
+              </a:p>
+            </p:txBody>
+          </p:sp>
+        </mc:Choice>
+        <mc:Fallback>
+          <p:sp>
+            <p:nvSpPr>
+              <p:cNvPr id="10" name="テキスト ボックス 9">
+                <a:extLst>
+                  <a:ext uri="{FF2B5EF4-FFF2-40B4-BE49-F238E27FC236}">
+                    <a16:creationId xmlns:a16="http://schemas.microsoft.com/office/drawing/2014/main" id="{41CDE66C-D43B-3C9B-3A01-860C2C9A7F71}"/>
+                  </a:ext>
+                </a:extLst>
+              </p:cNvPr>
+              <p:cNvSpPr txBox="1">
+                <a:spLocks noRot="1" noChangeAspect="1" noMove="1" noResize="1" noEditPoints="1" noAdjustHandles="1" noChangeArrowheads="1" noChangeShapeType="1" noTextEdit="1"/>
+              </p:cNvSpPr>
+              <p:nvPr/>
+            </p:nvSpPr>
+            <p:spPr>
+              <a:xfrm>
+                <a:off x="1861126" y="2428703"/>
+                <a:ext cx="2207491" cy="923330"/>
+              </a:xfrm>
+              <a:prstGeom prst="rect">
+                <a:avLst/>
+              </a:prstGeom>
+              <a:blipFill>
+                <a:blip r:embed="rId4"/>
+                <a:stretch>
+                  <a:fillRect l="-2210" t="-2632" b="-9868"/>
+                </a:stretch>
+              </a:blipFill>
+            </p:spPr>
+            <p:txBody>
+              <a:bodyPr/>
+              <a:lstStyle/>
+              <a:p>
+                <a:r>
+                  <a:rPr lang="ja-JP" altLang="en-US">
+                    <a:noFill/>
+                  </a:rPr>
+                  <a:t> </a:t>
+                </a:r>
+              </a:p>
+            </p:txBody>
+          </p:sp>
+        </mc:Fallback>
+      </mc:AlternateContent>
+      <p:cxnSp>
+        <p:nvCxnSpPr>
+          <p:cNvPr id="12" name="直線矢印コネクタ 11">
+            <a:extLst>
+              <a:ext uri="{FF2B5EF4-FFF2-40B4-BE49-F238E27FC236}">
+                <a16:creationId xmlns:a16="http://schemas.microsoft.com/office/drawing/2014/main" id="{F7C29361-F786-AE00-D661-92734408FA7C}"/>
+              </a:ext>
+            </a:extLst>
+          </p:cNvPr>
+          <p:cNvCxnSpPr>
+            <a:cxnSpLocks/>
+          </p:cNvCxnSpPr>
+          <p:nvPr/>
+        </p:nvCxnSpPr>
+        <p:spPr>
+          <a:xfrm>
+            <a:off x="2863273" y="2521143"/>
+            <a:ext cx="1293088" cy="628150"/>
+          </a:xfrm>
+          <a:prstGeom prst="straightConnector1">
+            <a:avLst/>
+          </a:prstGeom>
+          <a:ln w="38100">
+            <a:solidFill>
+              <a:srgbClr val="FF0000"/>
+            </a:solidFill>
+            <a:tailEnd type="triangle"/>
+          </a:ln>
+        </p:spPr>
+        <p:style>
+          <a:lnRef idx="2">
+            <a:schemeClr val="accent1"/>
+          </a:lnRef>
+          <a:fillRef idx="0">
+            <a:schemeClr val="accent1"/>
+          </a:fillRef>
+          <a:effectRef idx="1">
+            <a:schemeClr val="accent1"/>
+          </a:effectRef>
+          <a:fontRef idx="minor">
+            <a:schemeClr val="tx1"/>
+          </a:fontRef>
+        </p:style>
+      </p:cxnSp>
+      <p:cxnSp>
+        <p:nvCxnSpPr>
+          <p:cNvPr id="15" name="直線矢印コネクタ 14">
+            <a:extLst>
+              <a:ext uri="{FF2B5EF4-FFF2-40B4-BE49-F238E27FC236}">
+                <a16:creationId xmlns:a16="http://schemas.microsoft.com/office/drawing/2014/main" id="{9DF959A6-5288-39B5-D0F7-870A83CCA23E}"/>
+              </a:ext>
+            </a:extLst>
+          </p:cNvPr>
+          <p:cNvCxnSpPr>
+            <a:cxnSpLocks/>
+          </p:cNvCxnSpPr>
+          <p:nvPr/>
+        </p:nvCxnSpPr>
+        <p:spPr>
+          <a:xfrm flipH="1">
+            <a:off x="6297188" y="1220005"/>
+            <a:ext cx="1265382" cy="423914"/>
+          </a:xfrm>
+          <a:prstGeom prst="straightConnector1">
+            <a:avLst/>
+          </a:prstGeom>
+          <a:ln w="38100">
+            <a:solidFill>
+              <a:srgbClr val="FF0000"/>
+            </a:solidFill>
+            <a:tailEnd type="triangle"/>
+          </a:ln>
+        </p:spPr>
+        <p:style>
+          <a:lnRef idx="2">
+            <a:schemeClr val="accent1"/>
+          </a:lnRef>
+          <a:fillRef idx="0">
+            <a:schemeClr val="accent1"/>
+          </a:fillRef>
+          <a:effectRef idx="1">
+            <a:schemeClr val="accent1"/>
+          </a:effectRef>
+          <a:fontRef idx="minor">
+            <a:schemeClr val="tx1"/>
+          </a:fontRef>
+        </p:style>
+      </p:cxnSp>
+      <p:sp>
+        <p:nvSpPr>
+          <p:cNvPr id="18" name="テキスト ボックス 17">
+            <a:extLst>
+              <a:ext uri="{FF2B5EF4-FFF2-40B4-BE49-F238E27FC236}">
+                <a16:creationId xmlns:a16="http://schemas.microsoft.com/office/drawing/2014/main" id="{B3CF7F5B-6ADD-AB19-2179-B4457EB329F3}"/>
+              </a:ext>
+            </a:extLst>
+          </p:cNvPr>
+          <p:cNvSpPr txBox="1"/>
+          <p:nvPr/>
+        </p:nvSpPr>
+        <p:spPr>
+          <a:xfrm>
+            <a:off x="7494303" y="1108796"/>
+            <a:ext cx="2276764" cy="646331"/>
+          </a:xfrm>
+          <a:prstGeom prst="rect">
+            <a:avLst/>
+          </a:prstGeom>
+          <a:noFill/>
+        </p:spPr>
+        <p:txBody>
+          <a:bodyPr wrap="square" rtlCol="0">
+            <a:spAutoFit/>
+          </a:bodyPr>
+          <a:lstStyle/>
+          <a:p>
+            <a:r>
+              <a:rPr lang="en-US" altLang="ja-JP" b="1" dirty="0"/>
+              <a:t>Wind</a:t>
+            </a:r>
+            <a:endParaRPr kumimoji="1" lang="en-US" altLang="ja-JP" b="1" dirty="0"/>
+          </a:p>
+          <a:p>
+            <a:r>
+              <a:rPr lang="en-US" altLang="ja-JP" dirty="0"/>
+              <a:t>Units (3-dof)</a:t>
+            </a:r>
+            <a:endParaRPr kumimoji="1" lang="ja-JP" altLang="en-US" dirty="0"/>
+          </a:p>
+        </p:txBody>
+      </p:sp>
+    </p:spTree>
+    <p:extLst>
+      <p:ext uri="{BB962C8B-B14F-4D97-AF65-F5344CB8AC3E}">
+        <p14:creationId xmlns:p14="http://schemas.microsoft.com/office/powerpoint/2010/main" val="1052337683"/>
+      </p:ext>
+    </p:extLst>
+  </p:cSld>
+  <p:clrMapOvr>
+    <a:masterClrMapping/>
+  </p:clrMapOvr>
+</p:sld>
+</file>
+
+<file path=ppt/slides/slide3.xml><?xml version="1.0" encoding="utf-8"?>
+<p:sld xmlns:a="http://schemas.openxmlformats.org/drawingml/2006/main" xmlns:r="http://schemas.openxmlformats.org/officeDocument/2006/relationships" xmlns:p="http://schemas.openxmlformats.org/presentationml/2006/main">
+  <p:cSld>
+    <p:spTree>
+      <p:nvGrpSpPr>
+        <p:cNvPr id="1" name=""/>
+        <p:cNvGrpSpPr/>
+        <p:nvPr/>
+      </p:nvGrpSpPr>
+      <p:grpSpPr>
+        <a:xfrm>
+          <a:off x="0" y="0"/>
+          <a:ext cx="0" cy="0"/>
+          <a:chOff x="0" y="0"/>
+          <a:chExt cx="0" cy="0"/>
+        </a:xfrm>
+      </p:grpSpPr>
+      <p:sp>
+        <p:nvSpPr>
+          <p:cNvPr id="2" name="タイトル 1">
+            <a:extLst>
+              <a:ext uri="{FF2B5EF4-FFF2-40B4-BE49-F238E27FC236}">
+                <a16:creationId xmlns:a16="http://schemas.microsoft.com/office/drawing/2014/main" id="{37FFC39B-6408-9E68-9A31-B3024C3079EA}"/>
+              </a:ext>
+            </a:extLst>
+          </p:cNvPr>
+          <p:cNvSpPr>
+            <a:spLocks noGrp="1"/>
+          </p:cNvSpPr>
+          <p:nvPr>
+            <p:ph type="title"/>
+          </p:nvPr>
+        </p:nvSpPr>
+        <p:spPr/>
+        <p:txBody>
+          <a:bodyPr/>
+          <a:lstStyle/>
+          <a:p>
+            <a:endParaRPr kumimoji="1" lang="ja-JP" altLang="en-US"/>
+          </a:p>
+        </p:txBody>
+      </p:sp>
+      <p:sp>
+        <p:nvSpPr>
+          <p:cNvPr id="3" name="コンテンツ プレースホルダー 2">
+            <a:extLst>
+              <a:ext uri="{FF2B5EF4-FFF2-40B4-BE49-F238E27FC236}">
+                <a16:creationId xmlns:a16="http://schemas.microsoft.com/office/drawing/2014/main" id="{FB4F938F-7260-492A-25F2-469577D3CBA7}"/>
+              </a:ext>
+            </a:extLst>
+          </p:cNvPr>
+          <p:cNvSpPr>
+            <a:spLocks noGrp="1"/>
+          </p:cNvSpPr>
+          <p:nvPr>
+            <p:ph idx="1"/>
+          </p:nvPr>
+        </p:nvSpPr>
+        <p:spPr/>
+        <p:txBody>
+          <a:bodyPr/>
+          <a:lstStyle/>
+          <a:p>
+            <a:r>
+              <a:rPr lang="ja-JP" altLang="en-US" dirty="0"/>
+              <a:t>平</a:t>
+            </a:r>
+            <a:r>
+              <a:rPr lang="en-US" altLang="ja-JP" dirty="0"/>
+              <a:t>24,</a:t>
+            </a:r>
+            <a:r>
+              <a:rPr lang="ja-JP" altLang="en-US" dirty="0"/>
+              <a:t> 中</a:t>
+            </a:r>
+            <a:r>
+              <a:rPr lang="en-US" altLang="ja-JP" dirty="0"/>
+              <a:t>16,</a:t>
+            </a:r>
+            <a:r>
+              <a:rPr lang="ja-JP" altLang="en-US" dirty="0"/>
+              <a:t> 急</a:t>
+            </a:r>
+            <a:r>
+              <a:rPr lang="en-US" altLang="ja-JP" dirty="0"/>
+              <a:t>53, </a:t>
+            </a:r>
+            <a:r>
+              <a:rPr lang="ja-JP" altLang="en-US" dirty="0"/>
+              <a:t>ラ</a:t>
+            </a:r>
+            <a:r>
+              <a:rPr lang="en-US" altLang="ja-JP" dirty="0"/>
+              <a:t>NA, </a:t>
+            </a:r>
+            <a:r>
+              <a:rPr lang="ja-JP" altLang="en-US" dirty="0"/>
+              <a:t>昇</a:t>
+            </a:r>
+            <a:r>
+              <a:rPr lang="en-US" altLang="ja-JP" dirty="0"/>
+              <a:t>40, True</a:t>
+            </a:r>
+            <a:r>
+              <a:rPr lang="ja-JP" altLang="en-US" dirty="0"/>
+              <a:t> </a:t>
+            </a:r>
+            <a:r>
+              <a:rPr lang="en-US" altLang="ja-JP" dirty="0"/>
+              <a:t>(</a:t>
+            </a:r>
+            <a:r>
+              <a:rPr lang="ja-JP" altLang="en-US" dirty="0"/>
+              <a:t>中村君</a:t>
+            </a:r>
+            <a:r>
+              <a:rPr lang="en-US" altLang="ja-JP" dirty="0"/>
+              <a:t>)</a:t>
+            </a:r>
+          </a:p>
+          <a:p>
+            <a:r>
+              <a:rPr lang="ja-JP" altLang="en-US" dirty="0"/>
+              <a:t>急</a:t>
+            </a:r>
+            <a:r>
+              <a:rPr lang="en-US" altLang="ja-JP" dirty="0"/>
+              <a:t>90,</a:t>
+            </a:r>
+            <a:r>
+              <a:rPr lang="ja-JP" altLang="en-US" dirty="0"/>
+              <a:t> 中</a:t>
+            </a:r>
+            <a:r>
+              <a:rPr lang="en-US" altLang="ja-JP" dirty="0"/>
+              <a:t>82,</a:t>
+            </a:r>
+            <a:r>
+              <a:rPr lang="ja-JP" altLang="en-US" dirty="0"/>
+              <a:t> 平</a:t>
+            </a:r>
+            <a:r>
+              <a:rPr lang="en-US" altLang="ja-JP" dirty="0"/>
+              <a:t>13, </a:t>
+            </a:r>
+            <a:r>
+              <a:rPr lang="ja-JP" altLang="en-US" dirty="0"/>
+              <a:t>ラ</a:t>
+            </a:r>
+            <a:r>
+              <a:rPr lang="en-US" altLang="ja-JP" dirty="0"/>
+              <a:t>NA, </a:t>
+            </a:r>
+            <a:r>
+              <a:rPr lang="ja-JP" altLang="en-US" dirty="0"/>
+              <a:t>昇</a:t>
+            </a:r>
+            <a:r>
+              <a:rPr lang="en-US" altLang="ja-JP" dirty="0"/>
+              <a:t>87,</a:t>
+            </a:r>
+            <a:r>
+              <a:rPr lang="ja-JP" altLang="en-US" dirty="0"/>
+              <a:t> </a:t>
+            </a:r>
+            <a:r>
+              <a:rPr lang="en-US" altLang="ja-JP" dirty="0"/>
+              <a:t>False</a:t>
+            </a:r>
+            <a:r>
+              <a:rPr lang="ja-JP" altLang="en-US" dirty="0"/>
+              <a:t> 中</a:t>
+            </a:r>
+            <a:r>
+              <a:rPr lang="en-US" altLang="ja-JP" dirty="0"/>
+              <a:t> (</a:t>
+            </a:r>
+            <a:r>
+              <a:rPr lang="ja-JP" altLang="en-US" dirty="0"/>
+              <a:t>米田君</a:t>
+            </a:r>
+            <a:r>
+              <a:rPr lang="en-US" altLang="ja-JP" dirty="0"/>
+              <a:t>)</a:t>
+            </a:r>
+          </a:p>
+          <a:p>
+            <a:r>
+              <a:rPr lang="ja-JP" altLang="en-US" dirty="0"/>
+              <a:t>中</a:t>
+            </a:r>
+            <a:r>
+              <a:rPr lang="en-US" altLang="ja-JP" dirty="0"/>
+              <a:t>80,</a:t>
+            </a:r>
+            <a:r>
+              <a:rPr lang="ja-JP" altLang="en-US" dirty="0"/>
+              <a:t> ラ</a:t>
+            </a:r>
+            <a:r>
+              <a:rPr lang="en-US" altLang="ja-JP" dirty="0"/>
+              <a:t>NA, </a:t>
+            </a:r>
+            <a:r>
+              <a:rPr lang="ja-JP" altLang="en-US" dirty="0"/>
+              <a:t>平</a:t>
+            </a:r>
+            <a:r>
+              <a:rPr lang="en-US" altLang="ja-JP" dirty="0"/>
+              <a:t>11,</a:t>
+            </a:r>
+            <a:r>
+              <a:rPr lang="ja-JP" altLang="en-US" dirty="0"/>
+              <a:t> 急</a:t>
+            </a:r>
+            <a:r>
+              <a:rPr lang="en-US" altLang="ja-JP" dirty="0"/>
+              <a:t>98, </a:t>
+            </a:r>
+            <a:r>
+              <a:rPr lang="ja-JP" altLang="en-US" dirty="0"/>
+              <a:t>昇</a:t>
+            </a:r>
+            <a:r>
+              <a:rPr lang="en-US" altLang="ja-JP" dirty="0"/>
+              <a:t>73, False</a:t>
+            </a:r>
+            <a:r>
+              <a:rPr lang="ja-JP" altLang="en-US" dirty="0"/>
+              <a:t> 中</a:t>
+            </a:r>
+            <a:r>
+              <a:rPr lang="en-US" altLang="ja-JP" dirty="0"/>
+              <a:t>(</a:t>
+            </a:r>
+            <a:r>
+              <a:rPr lang="ja-JP" altLang="en-US" dirty="0"/>
+              <a:t>芹沢君</a:t>
+            </a:r>
+            <a:r>
+              <a:rPr lang="en-US" altLang="ja-JP" dirty="0"/>
+              <a:t>)</a:t>
+            </a:r>
+          </a:p>
+          <a:p>
+            <a:r>
+              <a:rPr lang="ja-JP" altLang="en-US" dirty="0"/>
+              <a:t>急</a:t>
+            </a:r>
+            <a:r>
+              <a:rPr lang="en-US" altLang="ja-JP" dirty="0"/>
+              <a:t>76,</a:t>
+            </a:r>
+            <a:r>
+              <a:rPr lang="ja-JP" altLang="en-US" dirty="0"/>
+              <a:t> 平</a:t>
+            </a:r>
+            <a:r>
+              <a:rPr lang="en-US" altLang="ja-JP" dirty="0"/>
+              <a:t>00,</a:t>
+            </a:r>
+            <a:r>
+              <a:rPr lang="ja-JP" altLang="en-US" dirty="0"/>
+              <a:t> ラ</a:t>
+            </a:r>
+            <a:r>
+              <a:rPr lang="en-US" altLang="ja-JP" dirty="0"/>
+              <a:t>NA, </a:t>
+            </a:r>
+            <a:r>
+              <a:rPr lang="ja-JP" altLang="en-US" dirty="0"/>
+              <a:t>中</a:t>
+            </a:r>
+            <a:r>
+              <a:rPr lang="en-US" altLang="ja-JP" dirty="0"/>
+              <a:t>59, </a:t>
+            </a:r>
+            <a:r>
+              <a:rPr lang="ja-JP" altLang="en-US" dirty="0"/>
+              <a:t>昇</a:t>
+            </a:r>
+            <a:r>
+              <a:rPr lang="en-US" altLang="ja-JP" dirty="0"/>
+              <a:t>74, True</a:t>
+            </a:r>
+            <a:r>
+              <a:rPr lang="ja-JP" altLang="en-US" dirty="0"/>
+              <a:t> （けいすけ）</a:t>
+            </a:r>
+            <a:endParaRPr lang="en-US" altLang="ja-JP" dirty="0"/>
+          </a:p>
+          <a:p>
+            <a:r>
+              <a:rPr lang="ja-JP" altLang="en-US" dirty="0"/>
+              <a:t>平</a:t>
+            </a:r>
+            <a:r>
+              <a:rPr lang="en-US" altLang="ja-JP" dirty="0"/>
+              <a:t>74,</a:t>
+            </a:r>
+            <a:r>
+              <a:rPr lang="ja-JP" altLang="en-US" dirty="0"/>
+              <a:t> 急</a:t>
+            </a:r>
+            <a:r>
+              <a:rPr lang="en-US" altLang="ja-JP" dirty="0"/>
+              <a:t>80,</a:t>
+            </a:r>
+            <a:r>
+              <a:rPr lang="ja-JP" altLang="en-US" dirty="0"/>
+              <a:t> 中</a:t>
+            </a:r>
+            <a:r>
+              <a:rPr lang="en-US" altLang="ja-JP" dirty="0"/>
+              <a:t>66, </a:t>
+            </a:r>
+            <a:r>
+              <a:rPr lang="ja-JP" altLang="en-US" dirty="0"/>
+              <a:t>ラ</a:t>
+            </a:r>
+            <a:r>
+              <a:rPr lang="en-US" altLang="ja-JP" dirty="0"/>
+              <a:t>NA, </a:t>
+            </a:r>
+            <a:r>
+              <a:rPr lang="ja-JP" altLang="en-US" dirty="0"/>
+              <a:t>昇</a:t>
+            </a:r>
+            <a:r>
+              <a:rPr lang="en-US" altLang="ja-JP" dirty="0"/>
+              <a:t>64, True</a:t>
+            </a:r>
+            <a:r>
+              <a:rPr lang="ja-JP" altLang="en-US" dirty="0"/>
+              <a:t>（和也）</a:t>
+            </a:r>
+            <a:endParaRPr lang="en-US" altLang="ja-JP" dirty="0"/>
+          </a:p>
+          <a:p>
+            <a:r>
+              <a:rPr lang="ja-JP" altLang="en-US" dirty="0"/>
+              <a:t>中</a:t>
+            </a:r>
+            <a:r>
+              <a:rPr lang="en-US" altLang="ja-JP" dirty="0"/>
+              <a:t>79,</a:t>
+            </a:r>
+            <a:r>
+              <a:rPr lang="ja-JP" altLang="en-US" dirty="0"/>
+              <a:t> ラ</a:t>
+            </a:r>
+            <a:r>
+              <a:rPr lang="en-US" altLang="ja-JP" dirty="0"/>
+              <a:t>NA,</a:t>
+            </a:r>
+            <a:r>
+              <a:rPr lang="ja-JP" altLang="en-US" dirty="0"/>
+              <a:t> 急</a:t>
+            </a:r>
+            <a:r>
+              <a:rPr lang="en-US" altLang="ja-JP" dirty="0"/>
+              <a:t>63, </a:t>
+            </a:r>
+            <a:r>
+              <a:rPr lang="ja-JP" altLang="en-US" dirty="0"/>
+              <a:t>平</a:t>
+            </a:r>
+            <a:r>
+              <a:rPr lang="en-US" altLang="ja-JP" dirty="0"/>
+              <a:t>07, </a:t>
+            </a:r>
+            <a:r>
+              <a:rPr lang="ja-JP" altLang="en-US" dirty="0"/>
+              <a:t>昇</a:t>
+            </a:r>
+            <a:r>
+              <a:rPr lang="en-US" altLang="ja-JP" dirty="0"/>
+              <a:t>65, True</a:t>
+            </a:r>
+            <a:r>
+              <a:rPr lang="ja-JP" altLang="en-US" dirty="0"/>
+              <a:t>（後藤くん</a:t>
+            </a:r>
+            <a:r>
+              <a:rPr lang="en-US" altLang="ja-JP" dirty="0"/>
+              <a:t>)</a:t>
+            </a:r>
+          </a:p>
+        </p:txBody>
+      </p:sp>
+    </p:spTree>
+    <p:extLst>
+      <p:ext uri="{BB962C8B-B14F-4D97-AF65-F5344CB8AC3E}">
+        <p14:creationId xmlns:p14="http://schemas.microsoft.com/office/powerpoint/2010/main" val="3481483548"/>
+      </p:ext>
+    </p:extLst>
+  </p:cSld>
+  <p:clrMapOvr>
+    <a:masterClrMapping/>
+  </p:clrMapOvr>
+</p:sld>
+</file>
+
 <file path=ppt/theme/theme1.xml><?xml version="1.0" encoding="utf-8"?>
 <a:theme xmlns:a="http://schemas.openxmlformats.org/drawingml/2006/main" name="Office テーマ">
   <a:themeElements>

--- a/fig.pptx
+++ b/fig.pptx
@@ -7,7 +7,9 @@
   <p:sldIdLst>
     <p:sldId id="256" r:id="rId2"/>
     <p:sldId id="257" r:id="rId3"/>
-    <p:sldId id="258" r:id="rId4"/>
+    <p:sldId id="260" r:id="rId4"/>
+    <p:sldId id="259" r:id="rId5"/>
+    <p:sldId id="258" r:id="rId6"/>
   </p:sldIdLst>
   <p:sldSz cx="12192000" cy="6858000"/>
   <p:notesSz cx="6858000" cy="9144000"/>
@@ -261,7 +263,7 @@
           <a:p>
             <a:fld id="{A04FF5D7-CADA-4E53-9AC3-9659680436B0}" type="datetimeFigureOut">
               <a:rPr kumimoji="1" lang="ja-JP" altLang="en-US" smtClean="0"/>
-              <a:t>2024/7/17</a:t>
+              <a:t>2024/7/18</a:t>
             </a:fld>
             <a:endParaRPr kumimoji="1" lang="ja-JP" altLang="en-US"/>
           </a:p>
@@ -491,7 +493,7 @@
           <a:p>
             <a:fld id="{A04FF5D7-CADA-4E53-9AC3-9659680436B0}" type="datetimeFigureOut">
               <a:rPr kumimoji="1" lang="ja-JP" altLang="en-US" smtClean="0"/>
-              <a:t>2024/7/17</a:t>
+              <a:t>2024/7/18</a:t>
             </a:fld>
             <a:endParaRPr kumimoji="1" lang="ja-JP" altLang="en-US"/>
           </a:p>
@@ -731,7 +733,7 @@
           <a:p>
             <a:fld id="{A04FF5D7-CADA-4E53-9AC3-9659680436B0}" type="datetimeFigureOut">
               <a:rPr kumimoji="1" lang="ja-JP" altLang="en-US" smtClean="0"/>
-              <a:t>2024/7/17</a:t>
+              <a:t>2024/7/18</a:t>
             </a:fld>
             <a:endParaRPr kumimoji="1" lang="ja-JP" altLang="en-US"/>
           </a:p>
@@ -961,7 +963,7 @@
           <a:p>
             <a:fld id="{A04FF5D7-CADA-4E53-9AC3-9659680436B0}" type="datetimeFigureOut">
               <a:rPr kumimoji="1" lang="ja-JP" altLang="en-US" smtClean="0"/>
-              <a:t>2024/7/17</a:t>
+              <a:t>2024/7/18</a:t>
             </a:fld>
             <a:endParaRPr kumimoji="1" lang="ja-JP" altLang="en-US"/>
           </a:p>
@@ -1236,7 +1238,7 @@
           <a:p>
             <a:fld id="{A04FF5D7-CADA-4E53-9AC3-9659680436B0}" type="datetimeFigureOut">
               <a:rPr kumimoji="1" lang="ja-JP" altLang="en-US" smtClean="0"/>
-              <a:t>2024/7/17</a:t>
+              <a:t>2024/7/18</a:t>
             </a:fld>
             <a:endParaRPr kumimoji="1" lang="ja-JP" altLang="en-US"/>
           </a:p>
@@ -1565,7 +1567,7 @@
           <a:p>
             <a:fld id="{A04FF5D7-CADA-4E53-9AC3-9659680436B0}" type="datetimeFigureOut">
               <a:rPr kumimoji="1" lang="ja-JP" altLang="en-US" smtClean="0"/>
-              <a:t>2024/7/17</a:t>
+              <a:t>2024/7/18</a:t>
             </a:fld>
             <a:endParaRPr kumimoji="1" lang="ja-JP" altLang="en-US"/>
           </a:p>
@@ -2041,7 +2043,7 @@
           <a:p>
             <a:fld id="{A04FF5D7-CADA-4E53-9AC3-9659680436B0}" type="datetimeFigureOut">
               <a:rPr kumimoji="1" lang="ja-JP" altLang="en-US" smtClean="0"/>
-              <a:t>2024/7/17</a:t>
+              <a:t>2024/7/18</a:t>
             </a:fld>
             <a:endParaRPr kumimoji="1" lang="ja-JP" altLang="en-US"/>
           </a:p>
@@ -2182,7 +2184,7 @@
           <a:p>
             <a:fld id="{A04FF5D7-CADA-4E53-9AC3-9659680436B0}" type="datetimeFigureOut">
               <a:rPr kumimoji="1" lang="ja-JP" altLang="en-US" smtClean="0"/>
-              <a:t>2024/7/17</a:t>
+              <a:t>2024/7/18</a:t>
             </a:fld>
             <a:endParaRPr kumimoji="1" lang="ja-JP" altLang="en-US"/>
           </a:p>
@@ -2295,7 +2297,7 @@
           <a:p>
             <a:fld id="{A04FF5D7-CADA-4E53-9AC3-9659680436B0}" type="datetimeFigureOut">
               <a:rPr kumimoji="1" lang="ja-JP" altLang="en-US" smtClean="0"/>
-              <a:t>2024/7/17</a:t>
+              <a:t>2024/7/18</a:t>
             </a:fld>
             <a:endParaRPr kumimoji="1" lang="ja-JP" altLang="en-US"/>
           </a:p>
@@ -2638,7 +2640,7 @@
           <a:p>
             <a:fld id="{A04FF5D7-CADA-4E53-9AC3-9659680436B0}" type="datetimeFigureOut">
               <a:rPr kumimoji="1" lang="ja-JP" altLang="en-US" smtClean="0"/>
-              <a:t>2024/7/17</a:t>
+              <a:t>2024/7/18</a:t>
             </a:fld>
             <a:endParaRPr kumimoji="1" lang="ja-JP" altLang="en-US"/>
           </a:p>
@@ -2926,7 +2928,7 @@
           <a:p>
             <a:fld id="{A04FF5D7-CADA-4E53-9AC3-9659680436B0}" type="datetimeFigureOut">
               <a:rPr kumimoji="1" lang="ja-JP" altLang="en-US" smtClean="0"/>
-              <a:t>2024/7/17</a:t>
+              <a:t>2024/7/18</a:t>
             </a:fld>
             <a:endParaRPr kumimoji="1" lang="ja-JP" altLang="en-US"/>
           </a:p>
@@ -3199,7 +3201,7 @@
           <a:p>
             <a:fld id="{A04FF5D7-CADA-4E53-9AC3-9659680436B0}" type="datetimeFigureOut">
               <a:rPr kumimoji="1" lang="ja-JP" altLang="en-US" smtClean="0"/>
-              <a:t>2024/7/17</a:t>
+              <a:t>2024/7/18</a:t>
             </a:fld>
             <a:endParaRPr kumimoji="1" lang="ja-JP" altLang="en-US"/>
           </a:p>
@@ -3948,430 +3950,759 @@
           <a:chExt cx="0" cy="0"/>
         </a:xfrm>
       </p:grpSpPr>
-      <p:pic>
-        <p:nvPicPr>
-          <p:cNvPr id="3" name="図 2" descr="屋内, テーブル, 座る, セット が含まれている画像&#10;&#10;自動的に生成された説明">
-            <a:extLst>
-              <a:ext uri="{FF2B5EF4-FFF2-40B4-BE49-F238E27FC236}">
-                <a16:creationId xmlns:a16="http://schemas.microsoft.com/office/drawing/2014/main" id="{C55709BD-BA10-6AA6-C489-49A1A904159D}"/>
-              </a:ext>
-            </a:extLst>
-          </p:cNvPr>
-          <p:cNvPicPr>
-            <a:picLocks noChangeAspect="1"/>
-          </p:cNvPicPr>
+      <p:grpSp>
+        <p:nvGrpSpPr>
+          <p:cNvPr id="20" name="グループ化 19">
+            <a:extLst>
+              <a:ext uri="{FF2B5EF4-FFF2-40B4-BE49-F238E27FC236}">
+                <a16:creationId xmlns:a16="http://schemas.microsoft.com/office/drawing/2014/main" id="{DEA5DD6F-853F-52E0-739E-2BC3BAB6E0ED}"/>
+              </a:ext>
+            </a:extLst>
+          </p:cNvPr>
+          <p:cNvGrpSpPr/>
           <p:nvPr/>
-        </p:nvPicPr>
-        <p:blipFill rotWithShape="1">
-          <a:blip r:embed="rId2">
-            <a:extLst>
-              <a:ext uri="{28A0092B-C50C-407E-A947-70E740481C1C}">
-                <a14:useLocalDpi xmlns:a14="http://schemas.microsoft.com/office/drawing/2010/main" val="0"/>
-              </a:ext>
-            </a:extLst>
-          </a:blip>
-          <a:srcRect l="21110" t="2336" r="22477"/>
-          <a:stretch/>
-        </p:blipFill>
-        <p:spPr>
+        </p:nvGrpSpPr>
+        <p:grpSpPr>
           <a:xfrm>
-            <a:off x="3666836" y="1154545"/>
-            <a:ext cx="3827467" cy="3722390"/>
+            <a:off x="3666836" y="1067676"/>
+            <a:ext cx="6102217" cy="3889542"/>
+            <a:chOff x="3666836" y="1067676"/>
+            <a:chExt cx="6102217" cy="3889542"/>
           </a:xfrm>
-          <a:prstGeom prst="rect">
-            <a:avLst/>
-          </a:prstGeom>
-        </p:spPr>
-      </p:pic>
-      <p:cxnSp>
-        <p:nvCxnSpPr>
-          <p:cNvPr id="5" name="直線矢印コネクタ 4">
-            <a:extLst>
-              <a:ext uri="{FF2B5EF4-FFF2-40B4-BE49-F238E27FC236}">
-                <a16:creationId xmlns:a16="http://schemas.microsoft.com/office/drawing/2014/main" id="{A0AC7938-E77F-13F5-F7A4-8267DD91962D}"/>
-              </a:ext>
-            </a:extLst>
-          </p:cNvPr>
-          <p:cNvCxnSpPr>
-            <a:cxnSpLocks/>
-          </p:cNvCxnSpPr>
-          <p:nvPr/>
-        </p:nvCxnSpPr>
-        <p:spPr>
-          <a:xfrm flipH="1">
-            <a:off x="7319763" y="2050473"/>
-            <a:ext cx="242807" cy="230397"/>
-          </a:xfrm>
-          <a:prstGeom prst="straightConnector1">
-            <a:avLst/>
-          </a:prstGeom>
-          <a:ln w="38100">
-            <a:solidFill>
-              <a:srgbClr val="FF0000"/>
-            </a:solidFill>
-            <a:tailEnd type="triangle"/>
-          </a:ln>
-        </p:spPr>
-        <p:style>
-          <a:lnRef idx="2">
-            <a:schemeClr val="accent1"/>
-          </a:lnRef>
-          <a:fillRef idx="0">
-            <a:schemeClr val="accent1"/>
-          </a:fillRef>
-          <a:effectRef idx="1">
-            <a:schemeClr val="accent1"/>
-          </a:effectRef>
-          <a:fontRef idx="minor">
-            <a:schemeClr val="tx1"/>
-          </a:fontRef>
-        </p:style>
-      </p:cxnSp>
-      <mc:AlternateContent xmlns:mc="http://schemas.openxmlformats.org/markup-compatibility/2006">
-        <mc:Choice xmlns:a14="http://schemas.microsoft.com/office/drawing/2010/main" Requires="a14">
-          <p:sp>
-            <p:nvSpPr>
-              <p:cNvPr id="9" name="テキスト ボックス 8">
-                <a:extLst>
-                  <a:ext uri="{FF2B5EF4-FFF2-40B4-BE49-F238E27FC236}">
-                    <a16:creationId xmlns:a16="http://schemas.microsoft.com/office/drawing/2014/main" id="{8C1B38B8-80FC-F9F3-6F89-F0F360690EB0}"/>
-                  </a:ext>
-                </a:extLst>
-              </p:cNvPr>
-              <p:cNvSpPr txBox="1"/>
-              <p:nvPr/>
-            </p:nvSpPr>
-            <p:spPr>
-              <a:xfrm>
-                <a:off x="7494303" y="1875432"/>
-                <a:ext cx="2276764" cy="923330"/>
-              </a:xfrm>
-              <a:prstGeom prst="rect">
-                <a:avLst/>
-              </a:prstGeom>
-              <a:noFill/>
-            </p:spPr>
-            <p:txBody>
-              <a:bodyPr wrap="square" rtlCol="0">
-                <a:spAutoFit/>
-              </a:bodyPr>
-              <a:lstStyle/>
-              <a:p>
-                <a:r>
-                  <a:rPr kumimoji="1" lang="en-US" altLang="ja-JP" b="1" dirty="0"/>
-                  <a:t>Hand Controllers</a:t>
-                </a:r>
-              </a:p>
-              <a:p>
-                <a:r>
-                  <a:rPr lang="en-US" altLang="ja-JP" dirty="0"/>
-                  <a:t>(Meta Quest2 </a:t>
-                </a:r>
-                <a14:m>
-                  <m:oMath xmlns:m="http://schemas.openxmlformats.org/officeDocument/2006/math">
-                    <m:r>
-                      <a:rPr lang="en-US" altLang="ja-JP" b="0" i="1" smtClean="0">
-                        <a:latin typeface="Cambria Math" panose="02040503050406030204" pitchFamily="18" charset="0"/>
-                      </a:rPr>
-                      <m:t>×2</m:t>
-                    </m:r>
-                  </m:oMath>
-                </a14:m>
-                <a:r>
-                  <a:rPr lang="en-US" altLang="ja-JP" dirty="0"/>
-                  <a:t>) with vibro-units</a:t>
-                </a:r>
-                <a:endParaRPr kumimoji="1" lang="ja-JP" altLang="en-US" dirty="0"/>
-              </a:p>
-            </p:txBody>
-          </p:sp>
-        </mc:Choice>
-        <mc:Fallback>
-          <p:sp>
-            <p:nvSpPr>
-              <p:cNvPr id="9" name="テキスト ボックス 8">
-                <a:extLst>
-                  <a:ext uri="{FF2B5EF4-FFF2-40B4-BE49-F238E27FC236}">
-                    <a16:creationId xmlns:a16="http://schemas.microsoft.com/office/drawing/2014/main" id="{8C1B38B8-80FC-F9F3-6F89-F0F360690EB0}"/>
-                  </a:ext>
-                </a:extLst>
-              </p:cNvPr>
-              <p:cNvSpPr txBox="1">
-                <a:spLocks noRot="1" noChangeAspect="1" noMove="1" noResize="1" noEditPoints="1" noAdjustHandles="1" noChangeArrowheads="1" noChangeShapeType="1" noTextEdit="1"/>
-              </p:cNvSpPr>
-              <p:nvPr/>
-            </p:nvSpPr>
-            <p:spPr>
-              <a:xfrm>
-                <a:off x="7494303" y="1875432"/>
-                <a:ext cx="2276764" cy="923330"/>
-              </a:xfrm>
-              <a:prstGeom prst="rect">
-                <a:avLst/>
-              </a:prstGeom>
-              <a:blipFill>
-                <a:blip r:embed="rId3"/>
-                <a:stretch>
-                  <a:fillRect l="-2139" t="-3311" r="-2941" b="-10596"/>
-                </a:stretch>
-              </a:blipFill>
-            </p:spPr>
-            <p:txBody>
-              <a:bodyPr/>
-              <a:lstStyle/>
-              <a:p>
-                <a:r>
-                  <a:rPr lang="ja-JP" altLang="en-US">
-                    <a:noFill/>
-                  </a:rPr>
-                  <a:t> </a:t>
-                </a:r>
-              </a:p>
-            </p:txBody>
-          </p:sp>
-        </mc:Fallback>
-      </mc:AlternateContent>
-      <mc:AlternateContent xmlns:mc="http://schemas.openxmlformats.org/markup-compatibility/2006">
-        <mc:Choice xmlns:a14="http://schemas.microsoft.com/office/drawing/2010/main" Requires="a14">
-          <p:sp>
-            <p:nvSpPr>
-              <p:cNvPr id="10" name="テキスト ボックス 9">
-                <a:extLst>
-                  <a:ext uri="{FF2B5EF4-FFF2-40B4-BE49-F238E27FC236}">
-                    <a16:creationId xmlns:a16="http://schemas.microsoft.com/office/drawing/2014/main" id="{41CDE66C-D43B-3C9B-3A01-860C2C9A7F71}"/>
-                  </a:ext>
-                </a:extLst>
-              </p:cNvPr>
-              <p:cNvSpPr txBox="1"/>
-              <p:nvPr/>
-            </p:nvSpPr>
-            <p:spPr>
-              <a:xfrm>
-                <a:off x="1861126" y="2428703"/>
-                <a:ext cx="2207491" cy="923330"/>
-              </a:xfrm>
-              <a:prstGeom prst="rect">
-                <a:avLst/>
-              </a:prstGeom>
-              <a:noFill/>
-            </p:spPr>
-            <p:txBody>
-              <a:bodyPr wrap="square" rtlCol="0">
-                <a:spAutoFit/>
-              </a:bodyPr>
-              <a:lstStyle/>
-              <a:p>
-                <a:r>
-                  <a:rPr lang="en-US" altLang="ja-JP" b="1" dirty="0"/>
-                  <a:t>Poles</a:t>
-                </a:r>
-              </a:p>
-              <a:p>
-                <a:r>
-                  <a:rPr kumimoji="1" lang="en-US" altLang="ja-JP" dirty="0"/>
-                  <a:t>(3-dof </a:t>
-                </a:r>
-                <a14:m>
-                  <m:oMath xmlns:m="http://schemas.openxmlformats.org/officeDocument/2006/math">
-                    <m:r>
-                      <a:rPr kumimoji="1" lang="en-US" altLang="ja-JP" b="0" i="1" smtClean="0">
-                        <a:latin typeface="Cambria Math" panose="02040503050406030204" pitchFamily="18" charset="0"/>
-                      </a:rPr>
-                      <m:t>×2</m:t>
-                    </m:r>
-                  </m:oMath>
-                </a14:m>
-                <a:r>
-                  <a:rPr kumimoji="1" lang="en-US" altLang="ja-JP" dirty="0"/>
-                  <a:t>)</a:t>
-                </a:r>
-              </a:p>
-              <a:p>
-                <a:r>
-                  <a:rPr lang="en-US" altLang="ja-JP" dirty="0"/>
-                  <a:t>with vibro-units</a:t>
-                </a:r>
-                <a:endParaRPr kumimoji="1" lang="ja-JP" altLang="en-US" dirty="0"/>
-              </a:p>
-            </p:txBody>
-          </p:sp>
-        </mc:Choice>
-        <mc:Fallback>
-          <p:sp>
-            <p:nvSpPr>
-              <p:cNvPr id="10" name="テキスト ボックス 9">
-                <a:extLst>
-                  <a:ext uri="{FF2B5EF4-FFF2-40B4-BE49-F238E27FC236}">
-                    <a16:creationId xmlns:a16="http://schemas.microsoft.com/office/drawing/2014/main" id="{41CDE66C-D43B-3C9B-3A01-860C2C9A7F71}"/>
-                  </a:ext>
-                </a:extLst>
-              </p:cNvPr>
-              <p:cNvSpPr txBox="1">
-                <a:spLocks noRot="1" noChangeAspect="1" noMove="1" noResize="1" noEditPoints="1" noAdjustHandles="1" noChangeArrowheads="1" noChangeShapeType="1" noTextEdit="1"/>
-              </p:cNvSpPr>
-              <p:nvPr/>
-            </p:nvSpPr>
-            <p:spPr>
-              <a:xfrm>
-                <a:off x="1861126" y="2428703"/>
-                <a:ext cx="2207491" cy="923330"/>
-              </a:xfrm>
-              <a:prstGeom prst="rect">
-                <a:avLst/>
-              </a:prstGeom>
-              <a:blipFill>
-                <a:blip r:embed="rId4"/>
-                <a:stretch>
-                  <a:fillRect l="-2210" t="-2632" b="-9868"/>
-                </a:stretch>
-              </a:blipFill>
-            </p:spPr>
-            <p:txBody>
-              <a:bodyPr/>
-              <a:lstStyle/>
-              <a:p>
-                <a:r>
-                  <a:rPr lang="ja-JP" altLang="en-US">
-                    <a:noFill/>
-                  </a:rPr>
-                  <a:t> </a:t>
-                </a:r>
-              </a:p>
-            </p:txBody>
-          </p:sp>
-        </mc:Fallback>
-      </mc:AlternateContent>
-      <p:cxnSp>
-        <p:nvCxnSpPr>
-          <p:cNvPr id="12" name="直線矢印コネクタ 11">
-            <a:extLst>
-              <a:ext uri="{FF2B5EF4-FFF2-40B4-BE49-F238E27FC236}">
-                <a16:creationId xmlns:a16="http://schemas.microsoft.com/office/drawing/2014/main" id="{F7C29361-F786-AE00-D661-92734408FA7C}"/>
-              </a:ext>
-            </a:extLst>
-          </p:cNvPr>
-          <p:cNvCxnSpPr>
-            <a:cxnSpLocks/>
-          </p:cNvCxnSpPr>
-          <p:nvPr/>
-        </p:nvCxnSpPr>
-        <p:spPr>
-          <a:xfrm>
-            <a:off x="2863273" y="2521143"/>
-            <a:ext cx="1293088" cy="628150"/>
-          </a:xfrm>
-          <a:prstGeom prst="straightConnector1">
-            <a:avLst/>
-          </a:prstGeom>
-          <a:ln w="38100">
-            <a:solidFill>
-              <a:srgbClr val="FF0000"/>
-            </a:solidFill>
-            <a:tailEnd type="triangle"/>
-          </a:ln>
-        </p:spPr>
-        <p:style>
-          <a:lnRef idx="2">
-            <a:schemeClr val="accent1"/>
-          </a:lnRef>
-          <a:fillRef idx="0">
-            <a:schemeClr val="accent1"/>
-          </a:fillRef>
-          <a:effectRef idx="1">
-            <a:schemeClr val="accent1"/>
-          </a:effectRef>
-          <a:fontRef idx="minor">
-            <a:schemeClr val="tx1"/>
-          </a:fontRef>
-        </p:style>
-      </p:cxnSp>
-      <p:cxnSp>
-        <p:nvCxnSpPr>
-          <p:cNvPr id="15" name="直線矢印コネクタ 14">
-            <a:extLst>
-              <a:ext uri="{FF2B5EF4-FFF2-40B4-BE49-F238E27FC236}">
-                <a16:creationId xmlns:a16="http://schemas.microsoft.com/office/drawing/2014/main" id="{9DF959A6-5288-39B5-D0F7-870A83CCA23E}"/>
-              </a:ext>
-            </a:extLst>
-          </p:cNvPr>
-          <p:cNvCxnSpPr>
-            <a:cxnSpLocks/>
-          </p:cNvCxnSpPr>
-          <p:nvPr/>
-        </p:nvCxnSpPr>
-        <p:spPr>
-          <a:xfrm flipH="1">
-            <a:off x="6297188" y="1220005"/>
-            <a:ext cx="1265382" cy="423914"/>
-          </a:xfrm>
-          <a:prstGeom prst="straightConnector1">
-            <a:avLst/>
-          </a:prstGeom>
-          <a:ln w="38100">
-            <a:solidFill>
-              <a:srgbClr val="FF0000"/>
-            </a:solidFill>
-            <a:tailEnd type="triangle"/>
-          </a:ln>
-        </p:spPr>
-        <p:style>
-          <a:lnRef idx="2">
-            <a:schemeClr val="accent1"/>
-          </a:lnRef>
-          <a:fillRef idx="0">
-            <a:schemeClr val="accent1"/>
-          </a:fillRef>
-          <a:effectRef idx="1">
-            <a:schemeClr val="accent1"/>
-          </a:effectRef>
-          <a:fontRef idx="minor">
-            <a:schemeClr val="tx1"/>
-          </a:fontRef>
-        </p:style>
-      </p:cxnSp>
-      <p:sp>
-        <p:nvSpPr>
-          <p:cNvPr id="18" name="テキスト ボックス 17">
-            <a:extLst>
-              <a:ext uri="{FF2B5EF4-FFF2-40B4-BE49-F238E27FC236}">
-                <a16:creationId xmlns:a16="http://schemas.microsoft.com/office/drawing/2014/main" id="{B3CF7F5B-6ADD-AB19-2179-B4457EB329F3}"/>
-              </a:ext>
-            </a:extLst>
-          </p:cNvPr>
-          <p:cNvSpPr txBox="1"/>
-          <p:nvPr/>
-        </p:nvSpPr>
-        <p:spPr>
-          <a:xfrm>
-            <a:off x="7494303" y="1108796"/>
-            <a:ext cx="2276764" cy="646331"/>
-          </a:xfrm>
-          <a:prstGeom prst="rect">
-            <a:avLst/>
-          </a:prstGeom>
-          <a:noFill/>
-        </p:spPr>
-        <p:txBody>
-          <a:bodyPr wrap="square" rtlCol="0">
-            <a:spAutoFit/>
-          </a:bodyPr>
-          <a:lstStyle/>
-          <a:p>
-            <a:r>
-              <a:rPr lang="en-US" altLang="ja-JP" b="1" dirty="0"/>
-              <a:t>Wind</a:t>
-            </a:r>
-            <a:endParaRPr kumimoji="1" lang="en-US" altLang="ja-JP" b="1" dirty="0"/>
-          </a:p>
-          <a:p>
-            <a:r>
-              <a:rPr lang="en-US" altLang="ja-JP" dirty="0"/>
-              <a:t>Units (3-dof)</a:t>
-            </a:r>
-            <a:endParaRPr kumimoji="1" lang="ja-JP" altLang="en-US" dirty="0"/>
-          </a:p>
-        </p:txBody>
-      </p:sp>
+        </p:grpSpPr>
+        <p:pic>
+          <p:nvPicPr>
+            <p:cNvPr id="3" name="図 2" descr="屋内, テーブル, 座る, セット が含まれている画像&#10;&#10;自動的に生成された説明">
+              <a:extLst>
+                <a:ext uri="{FF2B5EF4-FFF2-40B4-BE49-F238E27FC236}">
+                  <a16:creationId xmlns:a16="http://schemas.microsoft.com/office/drawing/2014/main" id="{C55709BD-BA10-6AA6-C489-49A1A904159D}"/>
+                </a:ext>
+              </a:extLst>
+            </p:cNvPr>
+            <p:cNvPicPr>
+              <a:picLocks noChangeAspect="1"/>
+            </p:cNvPicPr>
+            <p:nvPr/>
+          </p:nvPicPr>
+          <p:blipFill rotWithShape="1">
+            <a:blip r:embed="rId2">
+              <a:extLst>
+                <a:ext uri="{28A0092B-C50C-407E-A947-70E740481C1C}">
+                  <a14:useLocalDpi xmlns:a14="http://schemas.microsoft.com/office/drawing/2010/main" val="0"/>
+                </a:ext>
+              </a:extLst>
+            </a:blip>
+            <a:srcRect l="21110" t="2336" r="22477"/>
+            <a:stretch/>
+          </p:blipFill>
+          <p:spPr>
+            <a:xfrm>
+              <a:off x="3666836" y="1154545"/>
+              <a:ext cx="3827467" cy="3722390"/>
+            </a:xfrm>
+            <a:prstGeom prst="rect">
+              <a:avLst/>
+            </a:prstGeom>
+          </p:spPr>
+        </p:pic>
+        <p:cxnSp>
+          <p:nvCxnSpPr>
+            <p:cNvPr id="5" name="直線矢印コネクタ 4">
+              <a:extLst>
+                <a:ext uri="{FF2B5EF4-FFF2-40B4-BE49-F238E27FC236}">
+                  <a16:creationId xmlns:a16="http://schemas.microsoft.com/office/drawing/2014/main" id="{A0AC7938-E77F-13F5-F7A4-8267DD91962D}"/>
+                </a:ext>
+              </a:extLst>
+            </p:cNvPr>
+            <p:cNvCxnSpPr>
+              <a:cxnSpLocks/>
+            </p:cNvCxnSpPr>
+            <p:nvPr/>
+          </p:nvCxnSpPr>
+          <p:spPr>
+            <a:xfrm flipH="1">
+              <a:off x="7319763" y="1820587"/>
+              <a:ext cx="242807" cy="460283"/>
+            </a:xfrm>
+            <a:prstGeom prst="straightConnector1">
+              <a:avLst/>
+            </a:prstGeom>
+            <a:ln w="38100">
+              <a:solidFill>
+                <a:srgbClr val="FF0000"/>
+              </a:solidFill>
+              <a:tailEnd type="triangle"/>
+            </a:ln>
+          </p:spPr>
+          <p:style>
+            <a:lnRef idx="2">
+              <a:schemeClr val="accent1"/>
+            </a:lnRef>
+            <a:fillRef idx="0">
+              <a:schemeClr val="accent1"/>
+            </a:fillRef>
+            <a:effectRef idx="1">
+              <a:schemeClr val="accent1"/>
+            </a:effectRef>
+            <a:fontRef idx="minor">
+              <a:schemeClr val="tx1"/>
+            </a:fontRef>
+          </p:style>
+        </p:cxnSp>
+        <mc:AlternateContent xmlns:mc="http://schemas.openxmlformats.org/markup-compatibility/2006" xmlns:a14="http://schemas.microsoft.com/office/drawing/2010/main">
+          <mc:Choice Requires="a14">
+            <p:sp>
+              <p:nvSpPr>
+                <p:cNvPr id="9" name="テキスト ボックス 8">
+                  <a:extLst>
+                    <a:ext uri="{FF2B5EF4-FFF2-40B4-BE49-F238E27FC236}">
+                      <a16:creationId xmlns:a16="http://schemas.microsoft.com/office/drawing/2014/main" id="{8C1B38B8-80FC-F9F3-6F89-F0F360690EB0}"/>
+                    </a:ext>
+                  </a:extLst>
+                </p:cNvPr>
+                <p:cNvSpPr txBox="1"/>
+                <p:nvPr/>
+              </p:nvSpPr>
+              <p:spPr>
+                <a:xfrm>
+                  <a:off x="7492289" y="1617968"/>
+                  <a:ext cx="2276764" cy="830997"/>
+                </a:xfrm>
+                <a:prstGeom prst="rect">
+                  <a:avLst/>
+                </a:prstGeom>
+                <a:noFill/>
+              </p:spPr>
+              <p:txBody>
+                <a:bodyPr wrap="square" rtlCol="0">
+                  <a:spAutoFit/>
+                </a:bodyPr>
+                <a:lstStyle/>
+                <a:p>
+                  <a:r>
+                    <a:rPr kumimoji="1" lang="en-US" altLang="ja-JP" sz="1600" b="1" dirty="0"/>
+                    <a:t>Hand Controllers</a:t>
+                  </a:r>
+                </a:p>
+                <a:p>
+                  <a:r>
+                    <a:rPr lang="en-US" altLang="ja-JP" sz="1600" dirty="0"/>
+                    <a:t>(Meta Quest2 </a:t>
+                  </a:r>
+                  <a14:m>
+                    <m:oMath xmlns:m="http://schemas.openxmlformats.org/officeDocument/2006/math">
+                      <m:r>
+                        <a:rPr lang="en-US" altLang="ja-JP" sz="1600" b="0" i="1" smtClean="0">
+                          <a:latin typeface="Cambria Math" panose="02040503050406030204" pitchFamily="18" charset="0"/>
+                        </a:rPr>
+                        <m:t>×2</m:t>
+                      </m:r>
+                    </m:oMath>
+                  </a14:m>
+                  <a:r>
+                    <a:rPr lang="en-US" altLang="ja-JP" sz="1600" dirty="0"/>
+                    <a:t>) with vibro-units</a:t>
+                  </a:r>
+                  <a:endParaRPr kumimoji="1" lang="ja-JP" altLang="en-US" sz="1600" dirty="0"/>
+                </a:p>
+              </p:txBody>
+            </p:sp>
+          </mc:Choice>
+          <mc:Fallback xmlns="">
+            <p:sp>
+              <p:nvSpPr>
+                <p:cNvPr id="9" name="テキスト ボックス 8">
+                  <a:extLst>
+                    <a:ext uri="{FF2B5EF4-FFF2-40B4-BE49-F238E27FC236}">
+                      <a16:creationId xmlns:a16="http://schemas.microsoft.com/office/drawing/2014/main" id="{8C1B38B8-80FC-F9F3-6F89-F0F360690EB0}"/>
+                    </a:ext>
+                  </a:extLst>
+                </p:cNvPr>
+                <p:cNvSpPr txBox="1">
+                  <a:spLocks noRot="1" noChangeAspect="1" noMove="1" noResize="1" noEditPoints="1" noAdjustHandles="1" noChangeArrowheads="1" noChangeShapeType="1" noTextEdit="1"/>
+                </p:cNvSpPr>
+                <p:nvPr/>
+              </p:nvSpPr>
+              <p:spPr>
+                <a:xfrm>
+                  <a:off x="7492289" y="1617968"/>
+                  <a:ext cx="2276764" cy="830997"/>
+                </a:xfrm>
+                <a:prstGeom prst="rect">
+                  <a:avLst/>
+                </a:prstGeom>
+                <a:blipFill>
+                  <a:blip r:embed="rId3"/>
+                  <a:stretch>
+                    <a:fillRect l="-1337" t="-2190" b="-8029"/>
+                  </a:stretch>
+                </a:blipFill>
+              </p:spPr>
+              <p:txBody>
+                <a:bodyPr/>
+                <a:lstStyle/>
+                <a:p>
+                  <a:r>
+                    <a:rPr lang="ja-JP" altLang="en-US">
+                      <a:noFill/>
+                    </a:rPr>
+                    <a:t> </a:t>
+                  </a:r>
+                </a:p>
+              </p:txBody>
+            </p:sp>
+          </mc:Fallback>
+        </mc:AlternateContent>
+        <mc:AlternateContent xmlns:mc="http://schemas.openxmlformats.org/markup-compatibility/2006" xmlns:a14="http://schemas.microsoft.com/office/drawing/2010/main">
+          <mc:Choice Requires="a14">
+            <p:sp>
+              <p:nvSpPr>
+                <p:cNvPr id="10" name="テキスト ボックス 9">
+                  <a:extLst>
+                    <a:ext uri="{FF2B5EF4-FFF2-40B4-BE49-F238E27FC236}">
+                      <a16:creationId xmlns:a16="http://schemas.microsoft.com/office/drawing/2014/main" id="{41CDE66C-D43B-3C9B-3A01-860C2C9A7F71}"/>
+                    </a:ext>
+                  </a:extLst>
+                </p:cNvPr>
+                <p:cNvSpPr txBox="1"/>
+                <p:nvPr/>
+              </p:nvSpPr>
+              <p:spPr>
+                <a:xfrm>
+                  <a:off x="7492291" y="2448305"/>
+                  <a:ext cx="2207491" cy="830997"/>
+                </a:xfrm>
+                <a:prstGeom prst="rect">
+                  <a:avLst/>
+                </a:prstGeom>
+                <a:noFill/>
+              </p:spPr>
+              <p:txBody>
+                <a:bodyPr wrap="square" rtlCol="0">
+                  <a:spAutoFit/>
+                </a:bodyPr>
+                <a:lstStyle/>
+                <a:p>
+                  <a:r>
+                    <a:rPr lang="en-US" altLang="ja-JP" sz="1600" b="1" dirty="0"/>
+                    <a:t>Poles</a:t>
+                  </a:r>
+                </a:p>
+                <a:p>
+                  <a:r>
+                    <a:rPr kumimoji="1" lang="en-US" altLang="ja-JP" sz="1600" dirty="0"/>
+                    <a:t>(3-dof </a:t>
+                  </a:r>
+                  <a14:m>
+                    <m:oMath xmlns:m="http://schemas.openxmlformats.org/officeDocument/2006/math">
+                      <m:r>
+                        <a:rPr kumimoji="1" lang="en-US" altLang="ja-JP" sz="1600" b="0" i="1" smtClean="0">
+                          <a:latin typeface="Cambria Math" panose="02040503050406030204" pitchFamily="18" charset="0"/>
+                        </a:rPr>
+                        <m:t>×2</m:t>
+                      </m:r>
+                    </m:oMath>
+                  </a14:m>
+                  <a:r>
+                    <a:rPr kumimoji="1" lang="en-US" altLang="ja-JP" sz="1600" dirty="0"/>
+                    <a:t>)</a:t>
+                  </a:r>
+                </a:p>
+                <a:p>
+                  <a:r>
+                    <a:rPr lang="en-US" altLang="ja-JP" sz="1600" dirty="0"/>
+                    <a:t>with vibro-units</a:t>
+                  </a:r>
+                  <a:endParaRPr kumimoji="1" lang="ja-JP" altLang="en-US" sz="1600" dirty="0"/>
+                </a:p>
+              </p:txBody>
+            </p:sp>
+          </mc:Choice>
+          <mc:Fallback xmlns="">
+            <p:sp>
+              <p:nvSpPr>
+                <p:cNvPr id="10" name="テキスト ボックス 9">
+                  <a:extLst>
+                    <a:ext uri="{FF2B5EF4-FFF2-40B4-BE49-F238E27FC236}">
+                      <a16:creationId xmlns:a16="http://schemas.microsoft.com/office/drawing/2014/main" id="{41CDE66C-D43B-3C9B-3A01-860C2C9A7F71}"/>
+                    </a:ext>
+                  </a:extLst>
+                </p:cNvPr>
+                <p:cNvSpPr txBox="1">
+                  <a:spLocks noRot="1" noChangeAspect="1" noMove="1" noResize="1" noEditPoints="1" noAdjustHandles="1" noChangeArrowheads="1" noChangeShapeType="1" noTextEdit="1"/>
+                </p:cNvSpPr>
+                <p:nvPr/>
+              </p:nvSpPr>
+              <p:spPr>
+                <a:xfrm>
+                  <a:off x="7492291" y="2448305"/>
+                  <a:ext cx="2207491" cy="830997"/>
+                </a:xfrm>
+                <a:prstGeom prst="rect">
+                  <a:avLst/>
+                </a:prstGeom>
+                <a:blipFill>
+                  <a:blip r:embed="rId4"/>
+                  <a:stretch>
+                    <a:fillRect l="-1381" t="-2206" b="-8824"/>
+                  </a:stretch>
+                </a:blipFill>
+              </p:spPr>
+              <p:txBody>
+                <a:bodyPr/>
+                <a:lstStyle/>
+                <a:p>
+                  <a:r>
+                    <a:rPr lang="ja-JP" altLang="en-US">
+                      <a:noFill/>
+                    </a:rPr>
+                    <a:t> </a:t>
+                  </a:r>
+                </a:p>
+              </p:txBody>
+            </p:sp>
+          </mc:Fallback>
+        </mc:AlternateContent>
+        <p:cxnSp>
+          <p:nvCxnSpPr>
+            <p:cNvPr id="12" name="直線矢印コネクタ 11">
+              <a:extLst>
+                <a:ext uri="{FF2B5EF4-FFF2-40B4-BE49-F238E27FC236}">
+                  <a16:creationId xmlns:a16="http://schemas.microsoft.com/office/drawing/2014/main" id="{F7C29361-F786-AE00-D661-92734408FA7C}"/>
+                </a:ext>
+              </a:extLst>
+            </p:cNvPr>
+            <p:cNvCxnSpPr>
+              <a:cxnSpLocks/>
+            </p:cNvCxnSpPr>
+            <p:nvPr/>
+          </p:nvCxnSpPr>
+          <p:spPr>
+            <a:xfrm flipH="1">
+              <a:off x="6969809" y="2614829"/>
+              <a:ext cx="630617" cy="467152"/>
+            </a:xfrm>
+            <a:prstGeom prst="straightConnector1">
+              <a:avLst/>
+            </a:prstGeom>
+            <a:ln w="38100">
+              <a:solidFill>
+                <a:srgbClr val="FF0000"/>
+              </a:solidFill>
+              <a:tailEnd type="triangle"/>
+            </a:ln>
+          </p:spPr>
+          <p:style>
+            <a:lnRef idx="2">
+              <a:schemeClr val="accent1"/>
+            </a:lnRef>
+            <a:fillRef idx="0">
+              <a:schemeClr val="accent1"/>
+            </a:fillRef>
+            <a:effectRef idx="1">
+              <a:schemeClr val="accent1"/>
+            </a:effectRef>
+            <a:fontRef idx="minor">
+              <a:schemeClr val="tx1"/>
+            </a:fontRef>
+          </p:style>
+        </p:cxnSp>
+        <p:cxnSp>
+          <p:nvCxnSpPr>
+            <p:cNvPr id="15" name="直線矢印コネクタ 14">
+              <a:extLst>
+                <a:ext uri="{FF2B5EF4-FFF2-40B4-BE49-F238E27FC236}">
+                  <a16:creationId xmlns:a16="http://schemas.microsoft.com/office/drawing/2014/main" id="{9DF959A6-5288-39B5-D0F7-870A83CCA23E}"/>
+                </a:ext>
+              </a:extLst>
+            </p:cNvPr>
+            <p:cNvCxnSpPr>
+              <a:cxnSpLocks/>
+            </p:cNvCxnSpPr>
+            <p:nvPr/>
+          </p:nvCxnSpPr>
+          <p:spPr>
+            <a:xfrm flipH="1">
+              <a:off x="6297188" y="1220005"/>
+              <a:ext cx="1265382" cy="423914"/>
+            </a:xfrm>
+            <a:prstGeom prst="straightConnector1">
+              <a:avLst/>
+            </a:prstGeom>
+            <a:ln w="38100">
+              <a:solidFill>
+                <a:srgbClr val="FF0000"/>
+              </a:solidFill>
+              <a:tailEnd type="triangle"/>
+            </a:ln>
+          </p:spPr>
+          <p:style>
+            <a:lnRef idx="2">
+              <a:schemeClr val="accent1"/>
+            </a:lnRef>
+            <a:fillRef idx="0">
+              <a:schemeClr val="accent1"/>
+            </a:fillRef>
+            <a:effectRef idx="1">
+              <a:schemeClr val="accent1"/>
+            </a:effectRef>
+            <a:fontRef idx="minor">
+              <a:schemeClr val="tx1"/>
+            </a:fontRef>
+          </p:style>
+        </p:cxnSp>
+        <p:sp>
+          <p:nvSpPr>
+            <p:cNvPr id="18" name="テキスト ボックス 17">
+              <a:extLst>
+                <a:ext uri="{FF2B5EF4-FFF2-40B4-BE49-F238E27FC236}">
+                  <a16:creationId xmlns:a16="http://schemas.microsoft.com/office/drawing/2014/main" id="{B3CF7F5B-6ADD-AB19-2179-B4457EB329F3}"/>
+                </a:ext>
+              </a:extLst>
+            </p:cNvPr>
+            <p:cNvSpPr txBox="1"/>
+            <p:nvPr/>
+          </p:nvSpPr>
+          <p:spPr>
+            <a:xfrm>
+              <a:off x="7458660" y="1067676"/>
+              <a:ext cx="2276764" cy="584775"/>
+            </a:xfrm>
+            <a:prstGeom prst="rect">
+              <a:avLst/>
+            </a:prstGeom>
+            <a:noFill/>
+          </p:spPr>
+          <p:txBody>
+            <a:bodyPr wrap="square" rtlCol="0">
+              <a:spAutoFit/>
+            </a:bodyPr>
+            <a:lstStyle/>
+            <a:p>
+              <a:r>
+                <a:rPr lang="en-US" altLang="ja-JP" sz="1600" b="1" dirty="0"/>
+                <a:t>Wind</a:t>
+              </a:r>
+              <a:endParaRPr kumimoji="1" lang="en-US" altLang="ja-JP" sz="1600" b="1" dirty="0"/>
+            </a:p>
+            <a:p>
+              <a:r>
+                <a:rPr lang="en-US" altLang="ja-JP" sz="1600" dirty="0"/>
+                <a:t>Units (3-dof)</a:t>
+              </a:r>
+              <a:endParaRPr kumimoji="1" lang="ja-JP" altLang="en-US" sz="1600" dirty="0"/>
+            </a:p>
+          </p:txBody>
+        </p:sp>
+        <mc:AlternateContent xmlns:mc="http://schemas.openxmlformats.org/markup-compatibility/2006" xmlns:a14="http://schemas.microsoft.com/office/drawing/2010/main">
+          <mc:Choice Requires="a14">
+            <p:sp>
+              <p:nvSpPr>
+                <p:cNvPr id="8" name="テキスト ボックス 7">
+                  <a:extLst>
+                    <a:ext uri="{FF2B5EF4-FFF2-40B4-BE49-F238E27FC236}">
+                      <a16:creationId xmlns:a16="http://schemas.microsoft.com/office/drawing/2014/main" id="{8A724E78-A965-F415-49BD-94AFCCBBE6DB}"/>
+                    </a:ext>
+                  </a:extLst>
+                </p:cNvPr>
+                <p:cNvSpPr txBox="1"/>
+                <p:nvPr/>
+              </p:nvSpPr>
+              <p:spPr>
+                <a:xfrm>
+                  <a:off x="7458660" y="4126221"/>
+                  <a:ext cx="2207491" cy="830997"/>
+                </a:xfrm>
+                <a:prstGeom prst="rect">
+                  <a:avLst/>
+                </a:prstGeom>
+                <a:noFill/>
+              </p:spPr>
+              <p:txBody>
+                <a:bodyPr wrap="square" rtlCol="0">
+                  <a:spAutoFit/>
+                </a:bodyPr>
+                <a:lstStyle/>
+                <a:p>
+                  <a:r>
+                    <a:rPr lang="en-US" altLang="ja-JP" sz="1600" b="1" dirty="0"/>
+                    <a:t>Foot pedals</a:t>
+                  </a:r>
+                </a:p>
+                <a:p>
+                  <a:r>
+                    <a:rPr kumimoji="1" lang="en-US" altLang="ja-JP" sz="1600" dirty="0"/>
+                    <a:t>(2-dof </a:t>
+                  </a:r>
+                  <a14:m>
+                    <m:oMath xmlns:m="http://schemas.openxmlformats.org/officeDocument/2006/math">
+                      <m:r>
+                        <a:rPr kumimoji="1" lang="en-US" altLang="ja-JP" sz="1600" b="0" i="1" smtClean="0">
+                          <a:latin typeface="Cambria Math" panose="02040503050406030204" pitchFamily="18" charset="0"/>
+                        </a:rPr>
+                        <m:t>×2</m:t>
+                      </m:r>
+                    </m:oMath>
+                  </a14:m>
+                  <a:r>
+                    <a:rPr kumimoji="1" lang="en-US" altLang="ja-JP" sz="1600" dirty="0"/>
+                    <a:t>)</a:t>
+                  </a:r>
+                </a:p>
+                <a:p>
+                  <a:r>
+                    <a:rPr lang="en-US" altLang="ja-JP" sz="1600" dirty="0"/>
+                    <a:t>with vibro-units</a:t>
+                  </a:r>
+                  <a:endParaRPr kumimoji="1" lang="ja-JP" altLang="en-US" sz="1600" dirty="0"/>
+                </a:p>
+              </p:txBody>
+            </p:sp>
+          </mc:Choice>
+          <mc:Fallback xmlns="">
+            <p:sp>
+              <p:nvSpPr>
+                <p:cNvPr id="8" name="テキスト ボックス 7">
+                  <a:extLst>
+                    <a:ext uri="{FF2B5EF4-FFF2-40B4-BE49-F238E27FC236}">
+                      <a16:creationId xmlns:a16="http://schemas.microsoft.com/office/drawing/2014/main" id="{8A724E78-A965-F415-49BD-94AFCCBBE6DB}"/>
+                    </a:ext>
+                  </a:extLst>
+                </p:cNvPr>
+                <p:cNvSpPr txBox="1">
+                  <a:spLocks noRot="1" noChangeAspect="1" noMove="1" noResize="1" noEditPoints="1" noAdjustHandles="1" noChangeArrowheads="1" noChangeShapeType="1" noTextEdit="1"/>
+                </p:cNvSpPr>
+                <p:nvPr/>
+              </p:nvSpPr>
+              <p:spPr>
+                <a:xfrm>
+                  <a:off x="7458660" y="4126221"/>
+                  <a:ext cx="2207491" cy="830997"/>
+                </a:xfrm>
+                <a:prstGeom prst="rect">
+                  <a:avLst/>
+                </a:prstGeom>
+                <a:blipFill>
+                  <a:blip r:embed="rId5"/>
+                  <a:stretch>
+                    <a:fillRect l="-1657" t="-2206" b="-8824"/>
+                  </a:stretch>
+                </a:blipFill>
+              </p:spPr>
+              <p:txBody>
+                <a:bodyPr/>
+                <a:lstStyle/>
+                <a:p>
+                  <a:r>
+                    <a:rPr lang="ja-JP" altLang="en-US">
+                      <a:noFill/>
+                    </a:rPr>
+                    <a:t> </a:t>
+                  </a:r>
+                </a:p>
+              </p:txBody>
+            </p:sp>
+          </mc:Fallback>
+        </mc:AlternateContent>
+        <p:cxnSp>
+          <p:nvCxnSpPr>
+            <p:cNvPr id="11" name="直線矢印コネクタ 10">
+              <a:extLst>
+                <a:ext uri="{FF2B5EF4-FFF2-40B4-BE49-F238E27FC236}">
+                  <a16:creationId xmlns:a16="http://schemas.microsoft.com/office/drawing/2014/main" id="{052DE8AF-E646-A965-5862-7157BDED6C7F}"/>
+                </a:ext>
+              </a:extLst>
+            </p:cNvPr>
+            <p:cNvCxnSpPr>
+              <a:cxnSpLocks/>
+            </p:cNvCxnSpPr>
+            <p:nvPr/>
+          </p:nvCxnSpPr>
+          <p:spPr>
+            <a:xfrm flipH="1" flipV="1">
+              <a:off x="6297188" y="4085863"/>
+              <a:ext cx="1265382" cy="184133"/>
+            </a:xfrm>
+            <a:prstGeom prst="straightConnector1">
+              <a:avLst/>
+            </a:prstGeom>
+            <a:ln w="38100">
+              <a:solidFill>
+                <a:srgbClr val="FF0000"/>
+              </a:solidFill>
+              <a:tailEnd type="triangle"/>
+            </a:ln>
+          </p:spPr>
+          <p:style>
+            <a:lnRef idx="2">
+              <a:schemeClr val="accent1"/>
+            </a:lnRef>
+            <a:fillRef idx="0">
+              <a:schemeClr val="accent1"/>
+            </a:fillRef>
+            <a:effectRef idx="1">
+              <a:schemeClr val="accent1"/>
+            </a:effectRef>
+            <a:fontRef idx="minor">
+              <a:schemeClr val="tx1"/>
+            </a:fontRef>
+          </p:style>
+        </p:cxnSp>
+        <mc:AlternateContent xmlns:mc="http://schemas.openxmlformats.org/markup-compatibility/2006" xmlns:a14="http://schemas.microsoft.com/office/drawing/2010/main">
+          <mc:Choice Requires="a14">
+            <p:sp>
+              <p:nvSpPr>
+                <p:cNvPr id="14" name="テキスト ボックス 13">
+                  <a:extLst>
+                    <a:ext uri="{FF2B5EF4-FFF2-40B4-BE49-F238E27FC236}">
+                      <a16:creationId xmlns:a16="http://schemas.microsoft.com/office/drawing/2014/main" id="{E271119D-0ED7-C992-9D16-C0C16C15D2C2}"/>
+                    </a:ext>
+                  </a:extLst>
+                </p:cNvPr>
+                <p:cNvSpPr txBox="1"/>
+                <p:nvPr/>
+              </p:nvSpPr>
+              <p:spPr>
+                <a:xfrm>
+                  <a:off x="7492289" y="3242547"/>
+                  <a:ext cx="2207491" cy="830997"/>
+                </a:xfrm>
+                <a:prstGeom prst="rect">
+                  <a:avLst/>
+                </a:prstGeom>
+                <a:noFill/>
+              </p:spPr>
+              <p:txBody>
+                <a:bodyPr wrap="square" rtlCol="0">
+                  <a:spAutoFit/>
+                </a:bodyPr>
+                <a:lstStyle/>
+                <a:p>
+                  <a:r>
+                    <a:rPr lang="en-US" altLang="ja-JP" sz="1600" b="1" dirty="0"/>
+                    <a:t>Saddle</a:t>
+                  </a:r>
+                </a:p>
+                <a:p>
+                  <a:r>
+                    <a:rPr kumimoji="1" lang="en-US" altLang="ja-JP" sz="1600" dirty="0"/>
+                    <a:t>(1-dof </a:t>
+                  </a:r>
+                  <a14:m>
+                    <m:oMath xmlns:m="http://schemas.openxmlformats.org/officeDocument/2006/math">
+                      <m:r>
+                        <a:rPr kumimoji="1" lang="en-US" altLang="ja-JP" sz="1600" b="0" i="1" smtClean="0">
+                          <a:latin typeface="Cambria Math" panose="02040503050406030204" pitchFamily="18" charset="0"/>
+                        </a:rPr>
+                        <m:t>×2</m:t>
+                      </m:r>
+                    </m:oMath>
+                  </a14:m>
+                  <a:r>
+                    <a:rPr kumimoji="1" lang="en-US" altLang="ja-JP" sz="1600" dirty="0"/>
+                    <a:t>)</a:t>
+                  </a:r>
+                </a:p>
+                <a:p>
+                  <a:r>
+                    <a:rPr lang="en-US" altLang="ja-JP" sz="1600" dirty="0"/>
+                    <a:t>with a vibro-unit</a:t>
+                  </a:r>
+                  <a:endParaRPr kumimoji="1" lang="ja-JP" altLang="en-US" sz="1600" dirty="0"/>
+                </a:p>
+              </p:txBody>
+            </p:sp>
+          </mc:Choice>
+          <mc:Fallback xmlns="">
+            <p:sp>
+              <p:nvSpPr>
+                <p:cNvPr id="14" name="テキスト ボックス 13">
+                  <a:extLst>
+                    <a:ext uri="{FF2B5EF4-FFF2-40B4-BE49-F238E27FC236}">
+                      <a16:creationId xmlns:a16="http://schemas.microsoft.com/office/drawing/2014/main" id="{E271119D-0ED7-C992-9D16-C0C16C15D2C2}"/>
+                    </a:ext>
+                  </a:extLst>
+                </p:cNvPr>
+                <p:cNvSpPr txBox="1">
+                  <a:spLocks noRot="1" noChangeAspect="1" noMove="1" noResize="1" noEditPoints="1" noAdjustHandles="1" noChangeArrowheads="1" noChangeShapeType="1" noTextEdit="1"/>
+                </p:cNvSpPr>
+                <p:nvPr/>
+              </p:nvSpPr>
+              <p:spPr>
+                <a:xfrm>
+                  <a:off x="7492289" y="3242547"/>
+                  <a:ext cx="2207491" cy="830997"/>
+                </a:xfrm>
+                <a:prstGeom prst="rect">
+                  <a:avLst/>
+                </a:prstGeom>
+                <a:blipFill>
+                  <a:blip r:embed="rId6"/>
+                  <a:stretch>
+                    <a:fillRect l="-1381" t="-2206" b="-8824"/>
+                  </a:stretch>
+                </a:blipFill>
+              </p:spPr>
+              <p:txBody>
+                <a:bodyPr/>
+                <a:lstStyle/>
+                <a:p>
+                  <a:r>
+                    <a:rPr lang="ja-JP" altLang="en-US">
+                      <a:noFill/>
+                    </a:rPr>
+                    <a:t> </a:t>
+                  </a:r>
+                </a:p>
+              </p:txBody>
+            </p:sp>
+          </mc:Fallback>
+        </mc:AlternateContent>
+        <p:cxnSp>
+          <p:nvCxnSpPr>
+            <p:cNvPr id="17" name="直線矢印コネクタ 16">
+              <a:extLst>
+                <a:ext uri="{FF2B5EF4-FFF2-40B4-BE49-F238E27FC236}">
+                  <a16:creationId xmlns:a16="http://schemas.microsoft.com/office/drawing/2014/main" id="{159C91B6-9B43-2C60-9435-F1A1FE784012}"/>
+                </a:ext>
+              </a:extLst>
+            </p:cNvPr>
+            <p:cNvCxnSpPr>
+              <a:cxnSpLocks/>
+            </p:cNvCxnSpPr>
+            <p:nvPr/>
+          </p:nvCxnSpPr>
+          <p:spPr>
+            <a:xfrm flipH="1">
+              <a:off x="5666571" y="3350346"/>
+              <a:ext cx="1933855" cy="389234"/>
+            </a:xfrm>
+            <a:prstGeom prst="straightConnector1">
+              <a:avLst/>
+            </a:prstGeom>
+            <a:ln w="38100">
+              <a:solidFill>
+                <a:srgbClr val="FF0000"/>
+              </a:solidFill>
+              <a:tailEnd type="triangle"/>
+            </a:ln>
+          </p:spPr>
+          <p:style>
+            <a:lnRef idx="2">
+              <a:schemeClr val="accent1"/>
+            </a:lnRef>
+            <a:fillRef idx="0">
+              <a:schemeClr val="accent1"/>
+            </a:fillRef>
+            <a:effectRef idx="1">
+              <a:schemeClr val="accent1"/>
+            </a:effectRef>
+            <a:fontRef idx="minor">
+              <a:schemeClr val="tx1"/>
+            </a:fontRef>
+          </p:style>
+        </p:cxnSp>
+      </p:grpSp>
     </p:spTree>
     <p:extLst>
       <p:ext uri="{BB962C8B-B14F-4D97-AF65-F5344CB8AC3E}">
@@ -4386,6 +4717,988 @@
 </file>
 
 <file path=ppt/slides/slide3.xml><?xml version="1.0" encoding="utf-8"?>
+<p:sld xmlns:a="http://schemas.openxmlformats.org/drawingml/2006/main" xmlns:r="http://schemas.openxmlformats.org/officeDocument/2006/relationships" xmlns:p="http://schemas.openxmlformats.org/presentationml/2006/main">
+  <p:cSld>
+    <p:spTree>
+      <p:nvGrpSpPr>
+        <p:cNvPr id="1" name=""/>
+        <p:cNvGrpSpPr/>
+        <p:nvPr/>
+      </p:nvGrpSpPr>
+      <p:grpSpPr>
+        <a:xfrm>
+          <a:off x="0" y="0"/>
+          <a:ext cx="0" cy="0"/>
+          <a:chOff x="0" y="0"/>
+          <a:chExt cx="0" cy="0"/>
+        </a:xfrm>
+      </p:grpSpPr>
+      <p:grpSp>
+        <p:nvGrpSpPr>
+          <p:cNvPr id="40" name="グループ化 39">
+            <a:extLst>
+              <a:ext uri="{FF2B5EF4-FFF2-40B4-BE49-F238E27FC236}">
+                <a16:creationId xmlns:a16="http://schemas.microsoft.com/office/drawing/2014/main" id="{32935049-253F-E8C3-7F1E-46D4AFCB2BF3}"/>
+              </a:ext>
+            </a:extLst>
+          </p:cNvPr>
+          <p:cNvGrpSpPr/>
+          <p:nvPr/>
+        </p:nvGrpSpPr>
+        <p:grpSpPr>
+          <a:xfrm>
+            <a:off x="1934450" y="1891718"/>
+            <a:ext cx="6019405" cy="3779240"/>
+            <a:chOff x="1934450" y="1891718"/>
+            <a:chExt cx="6019405" cy="3779240"/>
+          </a:xfrm>
+        </p:grpSpPr>
+        <p:pic>
+          <p:nvPicPr>
+            <p:cNvPr id="3" name="図 2" descr="レゴの人の絵&#10;&#10;低い精度で自動的に生成された説明">
+              <a:extLst>
+                <a:ext uri="{FF2B5EF4-FFF2-40B4-BE49-F238E27FC236}">
+                  <a16:creationId xmlns:a16="http://schemas.microsoft.com/office/drawing/2014/main" id="{5B9AACE8-04FF-C11C-F8DB-A48D75A02668}"/>
+                </a:ext>
+              </a:extLst>
+            </p:cNvPr>
+            <p:cNvPicPr>
+              <a:picLocks noChangeAspect="1"/>
+            </p:cNvPicPr>
+            <p:nvPr/>
+          </p:nvPicPr>
+          <p:blipFill>
+            <a:blip r:embed="rId2">
+              <a:extLst>
+                <a:ext uri="{28A0092B-C50C-407E-A947-70E740481C1C}">
+                  <a14:useLocalDpi xmlns:a14="http://schemas.microsoft.com/office/drawing/2010/main" val="0"/>
+                </a:ext>
+              </a:extLst>
+            </a:blip>
+            <a:stretch>
+              <a:fillRect/>
+            </a:stretch>
+          </p:blipFill>
+          <p:spPr>
+            <a:xfrm>
+              <a:off x="2572554" y="1891718"/>
+              <a:ext cx="4743197" cy="3779240"/>
+            </a:xfrm>
+            <a:prstGeom prst="rect">
+              <a:avLst/>
+            </a:prstGeom>
+          </p:spPr>
+        </p:pic>
+        <p:cxnSp>
+          <p:nvCxnSpPr>
+            <p:cNvPr id="5" name="直線矢印コネクタ 4">
+              <a:extLst>
+                <a:ext uri="{FF2B5EF4-FFF2-40B4-BE49-F238E27FC236}">
+                  <a16:creationId xmlns:a16="http://schemas.microsoft.com/office/drawing/2014/main" id="{0BF46A5D-9292-7867-D9AC-6AB93A9B605C}"/>
+                </a:ext>
+              </a:extLst>
+            </p:cNvPr>
+            <p:cNvCxnSpPr/>
+            <p:nvPr/>
+          </p:nvCxnSpPr>
+          <p:spPr>
+            <a:xfrm>
+              <a:off x="4437777" y="2625753"/>
+              <a:ext cx="0" cy="684000"/>
+            </a:xfrm>
+            <a:prstGeom prst="straightConnector1">
+              <a:avLst/>
+            </a:prstGeom>
+            <a:ln>
+              <a:solidFill>
+                <a:srgbClr val="FF0000"/>
+              </a:solidFill>
+              <a:headEnd type="triangle"/>
+              <a:tailEnd type="triangle"/>
+            </a:ln>
+          </p:spPr>
+          <p:style>
+            <a:lnRef idx="2">
+              <a:schemeClr val="accent1"/>
+            </a:lnRef>
+            <a:fillRef idx="0">
+              <a:schemeClr val="accent1"/>
+            </a:fillRef>
+            <a:effectRef idx="1">
+              <a:schemeClr val="accent1"/>
+            </a:effectRef>
+            <a:fontRef idx="minor">
+              <a:schemeClr val="tx1"/>
+            </a:fontRef>
+          </p:style>
+        </p:cxnSp>
+        <p:cxnSp>
+          <p:nvCxnSpPr>
+            <p:cNvPr id="6" name="直線矢印コネクタ 5">
+              <a:extLst>
+                <a:ext uri="{FF2B5EF4-FFF2-40B4-BE49-F238E27FC236}">
+                  <a16:creationId xmlns:a16="http://schemas.microsoft.com/office/drawing/2014/main" id="{380EE6EA-87AE-6EB4-431C-BE6BCC67D7D8}"/>
+                </a:ext>
+              </a:extLst>
+            </p:cNvPr>
+            <p:cNvCxnSpPr/>
+            <p:nvPr/>
+          </p:nvCxnSpPr>
+          <p:spPr>
+            <a:xfrm>
+              <a:off x="5559106" y="2745000"/>
+              <a:ext cx="0" cy="648000"/>
+            </a:xfrm>
+            <a:prstGeom prst="straightConnector1">
+              <a:avLst/>
+            </a:prstGeom>
+            <a:ln>
+              <a:solidFill>
+                <a:srgbClr val="0000FF"/>
+              </a:solidFill>
+              <a:headEnd type="triangle"/>
+              <a:tailEnd type="triangle"/>
+            </a:ln>
+          </p:spPr>
+          <p:style>
+            <a:lnRef idx="2">
+              <a:schemeClr val="accent1"/>
+            </a:lnRef>
+            <a:fillRef idx="0">
+              <a:schemeClr val="accent1"/>
+            </a:fillRef>
+            <a:effectRef idx="1">
+              <a:schemeClr val="accent1"/>
+            </a:effectRef>
+            <a:fontRef idx="minor">
+              <a:schemeClr val="tx1"/>
+            </a:fontRef>
+          </p:style>
+        </p:cxnSp>
+        <p:sp>
+          <p:nvSpPr>
+            <p:cNvPr id="7" name="テキスト ボックス 6">
+              <a:extLst>
+                <a:ext uri="{FF2B5EF4-FFF2-40B4-BE49-F238E27FC236}">
+                  <a16:creationId xmlns:a16="http://schemas.microsoft.com/office/drawing/2014/main" id="{34FBC7D6-210C-B2F1-A4BA-D9AC6FB69712}"/>
+                </a:ext>
+              </a:extLst>
+            </p:cNvPr>
+            <p:cNvSpPr txBox="1"/>
+            <p:nvPr/>
+          </p:nvSpPr>
+          <p:spPr>
+            <a:xfrm>
+              <a:off x="5777990" y="2375668"/>
+              <a:ext cx="1646340" cy="369332"/>
+            </a:xfrm>
+            <a:prstGeom prst="rect">
+              <a:avLst/>
+            </a:prstGeom>
+            <a:noFill/>
+          </p:spPr>
+          <p:txBody>
+            <a:bodyPr wrap="square" rtlCol="0">
+              <a:spAutoFit/>
+            </a:bodyPr>
+            <a:lstStyle/>
+            <a:p>
+              <a:r>
+                <a:rPr lang="ja-JP" altLang="en-US" dirty="0"/>
+                <a:t>ストック伸縮</a:t>
+              </a:r>
+              <a:endParaRPr kumimoji="1" lang="ja-JP" altLang="en-US" dirty="0"/>
+            </a:p>
+          </p:txBody>
+        </p:sp>
+        <p:sp>
+          <p:nvSpPr>
+            <p:cNvPr id="8" name="テキスト ボックス 7">
+              <a:extLst>
+                <a:ext uri="{FF2B5EF4-FFF2-40B4-BE49-F238E27FC236}">
+                  <a16:creationId xmlns:a16="http://schemas.microsoft.com/office/drawing/2014/main" id="{32F290AD-8FF5-D11E-E773-E7F3F74576B2}"/>
+                </a:ext>
+              </a:extLst>
+            </p:cNvPr>
+            <p:cNvSpPr txBox="1"/>
+            <p:nvPr/>
+          </p:nvSpPr>
+          <p:spPr>
+            <a:xfrm>
+              <a:off x="3933747" y="2007380"/>
+              <a:ext cx="1646340" cy="369332"/>
+            </a:xfrm>
+            <a:prstGeom prst="rect">
+              <a:avLst/>
+            </a:prstGeom>
+            <a:noFill/>
+          </p:spPr>
+          <p:txBody>
+            <a:bodyPr wrap="square" rtlCol="0">
+              <a:spAutoFit/>
+            </a:bodyPr>
+            <a:lstStyle/>
+            <a:p>
+              <a:r>
+                <a:rPr kumimoji="1" lang="ja-JP" altLang="en-US" dirty="0"/>
+                <a:t>サドルリフト</a:t>
+              </a:r>
+            </a:p>
+          </p:txBody>
+        </p:sp>
+        <p:cxnSp>
+          <p:nvCxnSpPr>
+            <p:cNvPr id="9" name="直線矢印コネクタ 8">
+              <a:extLst>
+                <a:ext uri="{FF2B5EF4-FFF2-40B4-BE49-F238E27FC236}">
+                  <a16:creationId xmlns:a16="http://schemas.microsoft.com/office/drawing/2014/main" id="{A35F2811-4C6A-B55C-187A-FBC2A5C90A8E}"/>
+                </a:ext>
+              </a:extLst>
+            </p:cNvPr>
+            <p:cNvCxnSpPr>
+              <a:cxnSpLocks/>
+            </p:cNvCxnSpPr>
+            <p:nvPr/>
+          </p:nvCxnSpPr>
+          <p:spPr>
+            <a:xfrm>
+              <a:off x="4718966" y="2283854"/>
+              <a:ext cx="0" cy="530063"/>
+            </a:xfrm>
+            <a:prstGeom prst="straightConnector1">
+              <a:avLst/>
+            </a:prstGeom>
+            <a:ln>
+              <a:solidFill>
+                <a:srgbClr val="FF0000"/>
+              </a:solidFill>
+              <a:headEnd type="none" w="med" len="med"/>
+              <a:tailEnd type="none" w="med" len="med"/>
+            </a:ln>
+          </p:spPr>
+          <p:style>
+            <a:lnRef idx="2">
+              <a:schemeClr val="accent1"/>
+            </a:lnRef>
+            <a:fillRef idx="0">
+              <a:schemeClr val="accent1"/>
+            </a:fillRef>
+            <a:effectRef idx="1">
+              <a:schemeClr val="accent1"/>
+            </a:effectRef>
+            <a:fontRef idx="minor">
+              <a:schemeClr val="tx1"/>
+            </a:fontRef>
+          </p:style>
+        </p:cxnSp>
+        <p:cxnSp>
+          <p:nvCxnSpPr>
+            <p:cNvPr id="10" name="直線矢印コネクタ 9">
+              <a:extLst>
+                <a:ext uri="{FF2B5EF4-FFF2-40B4-BE49-F238E27FC236}">
+                  <a16:creationId xmlns:a16="http://schemas.microsoft.com/office/drawing/2014/main" id="{4B940641-72B2-1646-610B-49A2C20C4EB1}"/>
+                </a:ext>
+              </a:extLst>
+            </p:cNvPr>
+            <p:cNvCxnSpPr>
+              <a:cxnSpLocks/>
+            </p:cNvCxnSpPr>
+            <p:nvPr/>
+          </p:nvCxnSpPr>
+          <p:spPr>
+            <a:xfrm flipH="1">
+              <a:off x="5357071" y="2690992"/>
+              <a:ext cx="546871" cy="287865"/>
+            </a:xfrm>
+            <a:prstGeom prst="straightConnector1">
+              <a:avLst/>
+            </a:prstGeom>
+            <a:ln>
+              <a:solidFill>
+                <a:srgbClr val="0000FF"/>
+              </a:solidFill>
+              <a:headEnd type="none" w="med" len="med"/>
+              <a:tailEnd type="none" w="med" len="med"/>
+            </a:ln>
+          </p:spPr>
+          <p:style>
+            <a:lnRef idx="2">
+              <a:schemeClr val="accent1"/>
+            </a:lnRef>
+            <a:fillRef idx="0">
+              <a:schemeClr val="accent1"/>
+            </a:fillRef>
+            <a:effectRef idx="1">
+              <a:schemeClr val="accent1"/>
+            </a:effectRef>
+            <a:fontRef idx="minor">
+              <a:schemeClr val="tx1"/>
+            </a:fontRef>
+          </p:style>
+        </p:cxnSp>
+        <p:sp>
+          <p:nvSpPr>
+            <p:cNvPr id="14" name="テキスト ボックス 13">
+              <a:extLst>
+                <a:ext uri="{FF2B5EF4-FFF2-40B4-BE49-F238E27FC236}">
+                  <a16:creationId xmlns:a16="http://schemas.microsoft.com/office/drawing/2014/main" id="{D22FB4DD-2390-0127-812D-DEC2D825F238}"/>
+                </a:ext>
+              </a:extLst>
+            </p:cNvPr>
+            <p:cNvSpPr txBox="1"/>
+            <p:nvPr/>
+          </p:nvSpPr>
+          <p:spPr>
+            <a:xfrm>
+              <a:off x="1934450" y="3496100"/>
+              <a:ext cx="1433378" cy="369332"/>
+            </a:xfrm>
+            <a:prstGeom prst="rect">
+              <a:avLst/>
+            </a:prstGeom>
+            <a:noFill/>
+          </p:spPr>
+          <p:txBody>
+            <a:bodyPr wrap="square" rtlCol="0">
+              <a:spAutoFit/>
+            </a:bodyPr>
+            <a:lstStyle/>
+            <a:p>
+              <a:r>
+                <a:rPr kumimoji="1" lang="ja-JP" altLang="en-US" dirty="0"/>
+                <a:t>ペダル回転</a:t>
+              </a:r>
+            </a:p>
+          </p:txBody>
+        </p:sp>
+        <p:sp>
+          <p:nvSpPr>
+            <p:cNvPr id="15" name="円弧 14">
+              <a:extLst>
+                <a:ext uri="{FF2B5EF4-FFF2-40B4-BE49-F238E27FC236}">
+                  <a16:creationId xmlns:a16="http://schemas.microsoft.com/office/drawing/2014/main" id="{2BDCD9A4-3AE3-5112-10EF-14D7DDC9C5A4}"/>
+                </a:ext>
+              </a:extLst>
+            </p:cNvPr>
+            <p:cNvSpPr/>
+            <p:nvPr/>
+          </p:nvSpPr>
+          <p:spPr>
+            <a:xfrm>
+              <a:off x="3687959" y="3680766"/>
+              <a:ext cx="732950" cy="611081"/>
+            </a:xfrm>
+            <a:prstGeom prst="arc">
+              <a:avLst>
+                <a:gd name="adj1" fmla="val 14611307"/>
+                <a:gd name="adj2" fmla="val 372717"/>
+              </a:avLst>
+            </a:prstGeom>
+            <a:ln>
+              <a:solidFill>
+                <a:schemeClr val="accent2"/>
+              </a:solidFill>
+              <a:headEnd type="triangle" w="med" len="med"/>
+              <a:tailEnd type="triangle" w="med" len="med"/>
+            </a:ln>
+          </p:spPr>
+          <p:style>
+            <a:lnRef idx="2">
+              <a:schemeClr val="accent1"/>
+            </a:lnRef>
+            <a:fillRef idx="0">
+              <a:schemeClr val="accent1"/>
+            </a:fillRef>
+            <a:effectRef idx="1">
+              <a:schemeClr val="accent1"/>
+            </a:effectRef>
+            <a:fontRef idx="minor">
+              <a:schemeClr val="tx1"/>
+            </a:fontRef>
+          </p:style>
+          <p:txBody>
+            <a:bodyPr rtlCol="0" anchor="ctr"/>
+            <a:lstStyle/>
+            <a:p>
+              <a:pPr algn="ctr"/>
+              <a:endParaRPr kumimoji="1" lang="ja-JP" altLang="en-US"/>
+            </a:p>
+          </p:txBody>
+        </p:sp>
+        <p:cxnSp>
+          <p:nvCxnSpPr>
+            <p:cNvPr id="17" name="直線コネクタ 16">
+              <a:extLst>
+                <a:ext uri="{FF2B5EF4-FFF2-40B4-BE49-F238E27FC236}">
+                  <a16:creationId xmlns:a16="http://schemas.microsoft.com/office/drawing/2014/main" id="{0AE4D480-D2B2-B152-C30E-434BE60E6630}"/>
+                </a:ext>
+              </a:extLst>
+            </p:cNvPr>
+            <p:cNvCxnSpPr>
+              <a:cxnSpLocks/>
+            </p:cNvCxnSpPr>
+            <p:nvPr/>
+          </p:nvCxnSpPr>
+          <p:spPr>
+            <a:xfrm>
+              <a:off x="3047697" y="3801640"/>
+              <a:ext cx="1165933" cy="303604"/>
+            </a:xfrm>
+            <a:prstGeom prst="line">
+              <a:avLst/>
+            </a:prstGeom>
+            <a:ln>
+              <a:solidFill>
+                <a:schemeClr val="accent2"/>
+              </a:solidFill>
+            </a:ln>
+          </p:spPr>
+          <p:style>
+            <a:lnRef idx="2">
+              <a:schemeClr val="accent1"/>
+            </a:lnRef>
+            <a:fillRef idx="0">
+              <a:schemeClr val="accent1"/>
+            </a:fillRef>
+            <a:effectRef idx="1">
+              <a:schemeClr val="accent1"/>
+            </a:effectRef>
+            <a:fontRef idx="minor">
+              <a:schemeClr val="tx1"/>
+            </a:fontRef>
+          </p:style>
+        </p:cxnSp>
+        <p:sp>
+          <p:nvSpPr>
+            <p:cNvPr id="19" name="テキスト ボックス 18">
+              <a:extLst>
+                <a:ext uri="{FF2B5EF4-FFF2-40B4-BE49-F238E27FC236}">
+                  <a16:creationId xmlns:a16="http://schemas.microsoft.com/office/drawing/2014/main" id="{77C77182-1008-817B-EF77-CEA544995FFC}"/>
+                </a:ext>
+              </a:extLst>
+            </p:cNvPr>
+            <p:cNvSpPr txBox="1"/>
+            <p:nvPr/>
+          </p:nvSpPr>
+          <p:spPr>
+            <a:xfrm>
+              <a:off x="3178619" y="4939614"/>
+              <a:ext cx="1433378" cy="369332"/>
+            </a:xfrm>
+            <a:prstGeom prst="rect">
+              <a:avLst/>
+            </a:prstGeom>
+            <a:noFill/>
+          </p:spPr>
+          <p:txBody>
+            <a:bodyPr wrap="square" rtlCol="0">
+              <a:spAutoFit/>
+            </a:bodyPr>
+            <a:lstStyle/>
+            <a:p>
+              <a:r>
+                <a:rPr lang="ja-JP" altLang="en-US" dirty="0"/>
+                <a:t>足スライダ</a:t>
+              </a:r>
+              <a:endParaRPr kumimoji="1" lang="ja-JP" altLang="en-US" dirty="0"/>
+            </a:p>
+          </p:txBody>
+        </p:sp>
+        <p:cxnSp>
+          <p:nvCxnSpPr>
+            <p:cNvPr id="21" name="直線コネクタ 20">
+              <a:extLst>
+                <a:ext uri="{FF2B5EF4-FFF2-40B4-BE49-F238E27FC236}">
+                  <a16:creationId xmlns:a16="http://schemas.microsoft.com/office/drawing/2014/main" id="{0A19ACD8-7965-EC28-9532-34FCB2580109}"/>
+                </a:ext>
+              </a:extLst>
+            </p:cNvPr>
+            <p:cNvCxnSpPr>
+              <a:cxnSpLocks/>
+            </p:cNvCxnSpPr>
+            <p:nvPr/>
+          </p:nvCxnSpPr>
+          <p:spPr>
+            <a:xfrm flipH="1">
+              <a:off x="4054434" y="4534494"/>
+              <a:ext cx="112252" cy="426478"/>
+            </a:xfrm>
+            <a:prstGeom prst="line">
+              <a:avLst/>
+            </a:prstGeom>
+            <a:ln>
+              <a:solidFill>
+                <a:srgbClr val="00FFFF"/>
+              </a:solidFill>
+            </a:ln>
+          </p:spPr>
+          <p:style>
+            <a:lnRef idx="2">
+              <a:schemeClr val="accent1"/>
+            </a:lnRef>
+            <a:fillRef idx="0">
+              <a:schemeClr val="accent1"/>
+            </a:fillRef>
+            <a:effectRef idx="1">
+              <a:schemeClr val="accent1"/>
+            </a:effectRef>
+            <a:fontRef idx="minor">
+              <a:schemeClr val="tx1"/>
+            </a:fontRef>
+          </p:style>
+        </p:cxnSp>
+        <p:cxnSp>
+          <p:nvCxnSpPr>
+            <p:cNvPr id="23" name="直線コネクタ 22">
+              <a:extLst>
+                <a:ext uri="{FF2B5EF4-FFF2-40B4-BE49-F238E27FC236}">
+                  <a16:creationId xmlns:a16="http://schemas.microsoft.com/office/drawing/2014/main" id="{B601DF02-B98B-33A9-23DA-120F38C8C4D1}"/>
+                </a:ext>
+              </a:extLst>
+            </p:cNvPr>
+            <p:cNvCxnSpPr>
+              <a:cxnSpLocks/>
+            </p:cNvCxnSpPr>
+            <p:nvPr/>
+          </p:nvCxnSpPr>
+          <p:spPr>
+            <a:xfrm flipH="1">
+              <a:off x="3895308" y="4266109"/>
+              <a:ext cx="741408" cy="411355"/>
+            </a:xfrm>
+            <a:prstGeom prst="line">
+              <a:avLst/>
+            </a:prstGeom>
+            <a:ln>
+              <a:solidFill>
+                <a:srgbClr val="00FFFF"/>
+              </a:solidFill>
+              <a:headEnd type="triangle" w="med" len="med"/>
+              <a:tailEnd type="triangle" w="med" len="med"/>
+            </a:ln>
+          </p:spPr>
+          <p:style>
+            <a:lnRef idx="2">
+              <a:schemeClr val="accent1"/>
+            </a:lnRef>
+            <a:fillRef idx="0">
+              <a:schemeClr val="accent1"/>
+            </a:fillRef>
+            <a:effectRef idx="1">
+              <a:schemeClr val="accent1"/>
+            </a:effectRef>
+            <a:fontRef idx="minor">
+              <a:schemeClr val="tx1"/>
+            </a:fontRef>
+          </p:style>
+        </p:cxnSp>
+        <p:sp>
+          <p:nvSpPr>
+            <p:cNvPr id="28" name="円弧 27">
+              <a:extLst>
+                <a:ext uri="{FF2B5EF4-FFF2-40B4-BE49-F238E27FC236}">
+                  <a16:creationId xmlns:a16="http://schemas.microsoft.com/office/drawing/2014/main" id="{9C8D3A6F-CB00-2265-4DA8-6F1301272153}"/>
+                </a:ext>
+              </a:extLst>
+            </p:cNvPr>
+            <p:cNvSpPr/>
+            <p:nvPr/>
+          </p:nvSpPr>
+          <p:spPr>
+            <a:xfrm>
+              <a:off x="5089445" y="3801640"/>
+              <a:ext cx="673994" cy="794197"/>
+            </a:xfrm>
+            <a:prstGeom prst="arc">
+              <a:avLst>
+                <a:gd name="adj1" fmla="val 9807798"/>
+                <a:gd name="adj2" fmla="val 20053839"/>
+              </a:avLst>
+            </a:prstGeom>
+            <a:ln>
+              <a:solidFill>
+                <a:srgbClr val="FF00FF"/>
+              </a:solidFill>
+              <a:headEnd type="triangle" w="med" len="med"/>
+              <a:tailEnd type="triangle" w="med" len="med"/>
+            </a:ln>
+          </p:spPr>
+          <p:style>
+            <a:lnRef idx="2">
+              <a:schemeClr val="accent1"/>
+            </a:lnRef>
+            <a:fillRef idx="0">
+              <a:schemeClr val="accent1"/>
+            </a:fillRef>
+            <a:effectRef idx="1">
+              <a:schemeClr val="accent1"/>
+            </a:effectRef>
+            <a:fontRef idx="minor">
+              <a:schemeClr val="tx1"/>
+            </a:fontRef>
+          </p:style>
+          <p:txBody>
+            <a:bodyPr rtlCol="0" anchor="ctr"/>
+            <a:lstStyle/>
+            <a:p>
+              <a:pPr algn="ctr"/>
+              <a:endParaRPr kumimoji="1" lang="ja-JP" altLang="en-US"/>
+            </a:p>
+          </p:txBody>
+        </p:sp>
+        <p:sp>
+          <p:nvSpPr>
+            <p:cNvPr id="29" name="テキスト ボックス 28">
+              <a:extLst>
+                <a:ext uri="{FF2B5EF4-FFF2-40B4-BE49-F238E27FC236}">
+                  <a16:creationId xmlns:a16="http://schemas.microsoft.com/office/drawing/2014/main" id="{136628F4-9ABD-B5DE-77EE-C0FE5E810ECD}"/>
+                </a:ext>
+              </a:extLst>
+            </p:cNvPr>
+            <p:cNvSpPr txBox="1"/>
+            <p:nvPr/>
+          </p:nvSpPr>
+          <p:spPr>
+            <a:xfrm>
+              <a:off x="5638802" y="3532088"/>
+              <a:ext cx="2315053" cy="369332"/>
+            </a:xfrm>
+            <a:prstGeom prst="rect">
+              <a:avLst/>
+            </a:prstGeom>
+            <a:noFill/>
+          </p:spPr>
+          <p:txBody>
+            <a:bodyPr wrap="square" rtlCol="0">
+              <a:spAutoFit/>
+            </a:bodyPr>
+            <a:lstStyle/>
+            <a:p>
+              <a:r>
+                <a:rPr kumimoji="1" lang="ja-JP" altLang="en-US" dirty="0"/>
+                <a:t>ストックピッチ回転</a:t>
+              </a:r>
+            </a:p>
+          </p:txBody>
+        </p:sp>
+        <p:cxnSp>
+          <p:nvCxnSpPr>
+            <p:cNvPr id="32" name="直線コネクタ 31">
+              <a:extLst>
+                <a:ext uri="{FF2B5EF4-FFF2-40B4-BE49-F238E27FC236}">
+                  <a16:creationId xmlns:a16="http://schemas.microsoft.com/office/drawing/2014/main" id="{58C40276-46F9-F1DB-50DA-3D2A219FA199}"/>
+                </a:ext>
+              </a:extLst>
+            </p:cNvPr>
+            <p:cNvCxnSpPr>
+              <a:cxnSpLocks/>
+            </p:cNvCxnSpPr>
+            <p:nvPr/>
+          </p:nvCxnSpPr>
+          <p:spPr>
+            <a:xfrm flipH="1">
+              <a:off x="5512531" y="3801640"/>
+              <a:ext cx="540539" cy="875824"/>
+            </a:xfrm>
+            <a:prstGeom prst="line">
+              <a:avLst/>
+            </a:prstGeom>
+            <a:ln>
+              <a:solidFill>
+                <a:srgbClr val="FF00FF"/>
+              </a:solidFill>
+            </a:ln>
+          </p:spPr>
+          <p:style>
+            <a:lnRef idx="2">
+              <a:schemeClr val="accent1"/>
+            </a:lnRef>
+            <a:fillRef idx="0">
+              <a:schemeClr val="accent1"/>
+            </a:fillRef>
+            <a:effectRef idx="1">
+              <a:schemeClr val="accent1"/>
+            </a:effectRef>
+            <a:fontRef idx="minor">
+              <a:schemeClr val="tx1"/>
+            </a:fontRef>
+          </p:style>
+        </p:cxnSp>
+        <p:sp>
+          <p:nvSpPr>
+            <p:cNvPr id="34" name="テキスト ボックス 33">
+              <a:extLst>
+                <a:ext uri="{FF2B5EF4-FFF2-40B4-BE49-F238E27FC236}">
+                  <a16:creationId xmlns:a16="http://schemas.microsoft.com/office/drawing/2014/main" id="{DD5B889B-09A2-1CE9-DA00-11F3D803A817}"/>
+                </a:ext>
+              </a:extLst>
+            </p:cNvPr>
+            <p:cNvSpPr txBox="1"/>
+            <p:nvPr/>
+          </p:nvSpPr>
+          <p:spPr>
+            <a:xfrm>
+              <a:off x="5580087" y="5179575"/>
+              <a:ext cx="2123889" cy="369332"/>
+            </a:xfrm>
+            <a:prstGeom prst="rect">
+              <a:avLst/>
+            </a:prstGeom>
+            <a:noFill/>
+          </p:spPr>
+          <p:txBody>
+            <a:bodyPr wrap="square" rtlCol="0">
+              <a:spAutoFit/>
+            </a:bodyPr>
+            <a:lstStyle/>
+            <a:p>
+              <a:r>
+                <a:rPr kumimoji="1" lang="ja-JP" altLang="en-US" dirty="0"/>
+                <a:t>ストックスライダ</a:t>
+              </a:r>
+            </a:p>
+          </p:txBody>
+        </p:sp>
+        <p:cxnSp>
+          <p:nvCxnSpPr>
+            <p:cNvPr id="35" name="直線コネクタ 34">
+              <a:extLst>
+                <a:ext uri="{FF2B5EF4-FFF2-40B4-BE49-F238E27FC236}">
+                  <a16:creationId xmlns:a16="http://schemas.microsoft.com/office/drawing/2014/main" id="{AB04DC4A-EEA1-1D21-1810-F5D86D94228E}"/>
+                </a:ext>
+              </a:extLst>
+            </p:cNvPr>
+            <p:cNvCxnSpPr>
+              <a:cxnSpLocks/>
+            </p:cNvCxnSpPr>
+            <p:nvPr/>
+          </p:nvCxnSpPr>
+          <p:spPr>
+            <a:xfrm flipH="1">
+              <a:off x="5285715" y="4730012"/>
+              <a:ext cx="1356317" cy="769407"/>
+            </a:xfrm>
+            <a:prstGeom prst="line">
+              <a:avLst/>
+            </a:prstGeom>
+            <a:ln>
+              <a:solidFill>
+                <a:srgbClr val="00FF00"/>
+              </a:solidFill>
+              <a:headEnd type="triangle" w="med" len="med"/>
+              <a:tailEnd type="triangle" w="med" len="med"/>
+            </a:ln>
+          </p:spPr>
+          <p:style>
+            <a:lnRef idx="2">
+              <a:schemeClr val="accent1"/>
+            </a:lnRef>
+            <a:fillRef idx="0">
+              <a:schemeClr val="accent1"/>
+            </a:fillRef>
+            <a:effectRef idx="1">
+              <a:schemeClr val="accent1"/>
+            </a:effectRef>
+            <a:fontRef idx="minor">
+              <a:schemeClr val="tx1"/>
+            </a:fontRef>
+          </p:style>
+        </p:cxnSp>
+      </p:grpSp>
+    </p:spTree>
+    <p:extLst>
+      <p:ext uri="{BB962C8B-B14F-4D97-AF65-F5344CB8AC3E}">
+        <p14:creationId xmlns:p14="http://schemas.microsoft.com/office/powerpoint/2010/main" val="325027256"/>
+      </p:ext>
+    </p:extLst>
+  </p:cSld>
+  <p:clrMapOvr>
+    <a:masterClrMapping/>
+  </p:clrMapOvr>
+</p:sld>
+</file>
+
+<file path=ppt/slides/slide4.xml><?xml version="1.0" encoding="utf-8"?>
+<p:sld xmlns:a="http://schemas.openxmlformats.org/drawingml/2006/main" xmlns:r="http://schemas.openxmlformats.org/officeDocument/2006/relationships" xmlns:p="http://schemas.openxmlformats.org/presentationml/2006/main">
+  <p:cSld>
+    <p:spTree>
+      <p:nvGrpSpPr>
+        <p:cNvPr id="1" name=""/>
+        <p:cNvGrpSpPr/>
+        <p:nvPr/>
+      </p:nvGrpSpPr>
+      <p:grpSpPr>
+        <a:xfrm>
+          <a:off x="0" y="0"/>
+          <a:ext cx="0" cy="0"/>
+          <a:chOff x="0" y="0"/>
+          <a:chExt cx="0" cy="0"/>
+        </a:xfrm>
+      </p:grpSpPr>
+      <p:grpSp>
+        <p:nvGrpSpPr>
+          <p:cNvPr id="7" name="グループ化 6">
+            <a:extLst>
+              <a:ext uri="{FF2B5EF4-FFF2-40B4-BE49-F238E27FC236}">
+                <a16:creationId xmlns:a16="http://schemas.microsoft.com/office/drawing/2014/main" id="{7ABA5CC7-AE7B-3C0C-775F-8D393C4AC63B}"/>
+              </a:ext>
+            </a:extLst>
+          </p:cNvPr>
+          <p:cNvGrpSpPr/>
+          <p:nvPr/>
+        </p:nvGrpSpPr>
+        <p:grpSpPr>
+          <a:xfrm>
+            <a:off x="1816217" y="2166639"/>
+            <a:ext cx="1083292" cy="180000"/>
+            <a:chOff x="1816217" y="2166639"/>
+            <a:chExt cx="1083292" cy="180000"/>
+          </a:xfrm>
+        </p:grpSpPr>
+        <p:cxnSp>
+          <p:nvCxnSpPr>
+            <p:cNvPr id="3" name="直線コネクタ 2">
+              <a:extLst>
+                <a:ext uri="{FF2B5EF4-FFF2-40B4-BE49-F238E27FC236}">
+                  <a16:creationId xmlns:a16="http://schemas.microsoft.com/office/drawing/2014/main" id="{1EDE14DF-6971-7FA5-0D8E-BE9BCDF2E81C}"/>
+                </a:ext>
+              </a:extLst>
+            </p:cNvPr>
+            <p:cNvCxnSpPr>
+              <a:cxnSpLocks/>
+            </p:cNvCxnSpPr>
+            <p:nvPr/>
+          </p:nvCxnSpPr>
+          <p:spPr>
+            <a:xfrm>
+              <a:off x="1816217" y="2261889"/>
+              <a:ext cx="1080000" cy="0"/>
+            </a:xfrm>
+            <a:prstGeom prst="line">
+              <a:avLst/>
+            </a:prstGeom>
+            <a:ln w="12700">
+              <a:solidFill>
+                <a:schemeClr val="tx1"/>
+              </a:solidFill>
+            </a:ln>
+          </p:spPr>
+          <p:style>
+            <a:lnRef idx="2">
+              <a:schemeClr val="accent1"/>
+            </a:lnRef>
+            <a:fillRef idx="0">
+              <a:schemeClr val="accent1"/>
+            </a:fillRef>
+            <a:effectRef idx="1">
+              <a:schemeClr val="accent1"/>
+            </a:effectRef>
+            <a:fontRef idx="minor">
+              <a:schemeClr val="tx1"/>
+            </a:fontRef>
+          </p:style>
+        </p:cxnSp>
+        <p:cxnSp>
+          <p:nvCxnSpPr>
+            <p:cNvPr id="4" name="直線コネクタ 3">
+              <a:extLst>
+                <a:ext uri="{FF2B5EF4-FFF2-40B4-BE49-F238E27FC236}">
+                  <a16:creationId xmlns:a16="http://schemas.microsoft.com/office/drawing/2014/main" id="{7BDC4E3A-A321-058A-A04B-E1571C97ECF1}"/>
+                </a:ext>
+              </a:extLst>
+            </p:cNvPr>
+            <p:cNvCxnSpPr>
+              <a:cxnSpLocks/>
+            </p:cNvCxnSpPr>
+            <p:nvPr/>
+          </p:nvCxnSpPr>
+          <p:spPr>
+            <a:xfrm>
+              <a:off x="1816217" y="2166639"/>
+              <a:ext cx="0" cy="180000"/>
+            </a:xfrm>
+            <a:prstGeom prst="line">
+              <a:avLst/>
+            </a:prstGeom>
+            <a:ln w="12700">
+              <a:solidFill>
+                <a:schemeClr val="tx1"/>
+              </a:solidFill>
+            </a:ln>
+          </p:spPr>
+          <p:style>
+            <a:lnRef idx="2">
+              <a:schemeClr val="accent1"/>
+            </a:lnRef>
+            <a:fillRef idx="0">
+              <a:schemeClr val="accent1"/>
+            </a:fillRef>
+            <a:effectRef idx="1">
+              <a:schemeClr val="accent1"/>
+            </a:effectRef>
+            <a:fontRef idx="minor">
+              <a:schemeClr val="tx1"/>
+            </a:fontRef>
+          </p:style>
+        </p:cxnSp>
+        <p:cxnSp>
+          <p:nvCxnSpPr>
+            <p:cNvPr id="6" name="直線コネクタ 5">
+              <a:extLst>
+                <a:ext uri="{FF2B5EF4-FFF2-40B4-BE49-F238E27FC236}">
+                  <a16:creationId xmlns:a16="http://schemas.microsoft.com/office/drawing/2014/main" id="{EF30C7ED-FA8C-0839-81A3-9D4477A9F658}"/>
+                </a:ext>
+              </a:extLst>
+            </p:cNvPr>
+            <p:cNvCxnSpPr>
+              <a:cxnSpLocks/>
+            </p:cNvCxnSpPr>
+            <p:nvPr/>
+          </p:nvCxnSpPr>
+          <p:spPr>
+            <a:xfrm>
+              <a:off x="2899509" y="2166639"/>
+              <a:ext cx="0" cy="180000"/>
+            </a:xfrm>
+            <a:prstGeom prst="line">
+              <a:avLst/>
+            </a:prstGeom>
+            <a:ln w="12700">
+              <a:solidFill>
+                <a:schemeClr val="tx1"/>
+              </a:solidFill>
+            </a:ln>
+          </p:spPr>
+          <p:style>
+            <a:lnRef idx="2">
+              <a:schemeClr val="accent1"/>
+            </a:lnRef>
+            <a:fillRef idx="0">
+              <a:schemeClr val="accent1"/>
+            </a:fillRef>
+            <a:effectRef idx="1">
+              <a:schemeClr val="accent1"/>
+            </a:effectRef>
+            <a:fontRef idx="minor">
+              <a:schemeClr val="tx1"/>
+            </a:fontRef>
+          </p:style>
+        </p:cxnSp>
+      </p:grpSp>
+    </p:spTree>
+    <p:extLst>
+      <p:ext uri="{BB962C8B-B14F-4D97-AF65-F5344CB8AC3E}">
+        <p14:creationId xmlns:p14="http://schemas.microsoft.com/office/powerpoint/2010/main" val="854605079"/>
+      </p:ext>
+    </p:extLst>
+  </p:cSld>
+  <p:clrMapOvr>
+    <a:masterClrMapping/>
+  </p:clrMapOvr>
+</p:sld>
+</file>
+
+<file path=ppt/slides/slide5.xml><?xml version="1.0" encoding="utf-8"?>
 <p:sld xmlns:a="http://schemas.openxmlformats.org/drawingml/2006/main" xmlns:r="http://schemas.openxmlformats.org/officeDocument/2006/relationships" xmlns:p="http://schemas.openxmlformats.org/presentationml/2006/main">
   <p:cSld>
     <p:spTree>
